--- a/Seminario/Apresentacao Groovy.pptx
+++ b/Seminario/Apresentacao Groovy.pptx
@@ -218,7 +218,7 @@
           <a:p>
             <a:fld id="{6B6B4220-22D1-47E0-972A-D66225F5A4C2}" type="datetimeFigureOut">
               <a:rPr lang="pt-BR" smtClean="0"/>
-              <a:t>15/08/2021</a:t>
+              <a:t>16/08/2021</a:t>
             </a:fld>
             <a:endParaRPr lang="pt-BR"/>
           </a:p>
@@ -1240,7 +1240,7 @@
           <a:p>
             <a:fld id="{B1E463BD-CF88-4D51-BB25-A25337C19F79}" type="datetimeFigureOut">
               <a:rPr lang="pt-BR" smtClean="0"/>
-              <a:t>15/08/2021</a:t>
+              <a:t>16/08/2021</a:t>
             </a:fld>
             <a:endParaRPr lang="pt-BR"/>
           </a:p>
@@ -1536,7 +1536,7 @@
           <a:p>
             <a:fld id="{B1E463BD-CF88-4D51-BB25-A25337C19F79}" type="datetimeFigureOut">
               <a:rPr lang="pt-BR" smtClean="0"/>
-              <a:t>15/08/2021</a:t>
+              <a:t>16/08/2021</a:t>
             </a:fld>
             <a:endParaRPr lang="pt-BR"/>
           </a:p>
@@ -1784,7 +1784,7 @@
           <a:p>
             <a:fld id="{B1E463BD-CF88-4D51-BB25-A25337C19F79}" type="datetimeFigureOut">
               <a:rPr lang="pt-BR" smtClean="0"/>
-              <a:t>15/08/2021</a:t>
+              <a:t>16/08/2021</a:t>
             </a:fld>
             <a:endParaRPr lang="pt-BR"/>
           </a:p>
@@ -2324,7 +2324,7 @@
           <a:p>
             <a:fld id="{B1E463BD-CF88-4D51-BB25-A25337C19F79}" type="datetimeFigureOut">
               <a:rPr lang="pt-BR" smtClean="0"/>
-              <a:t>15/08/2021</a:t>
+              <a:t>16/08/2021</a:t>
             </a:fld>
             <a:endParaRPr lang="pt-BR"/>
           </a:p>
@@ -2572,7 +2572,7 @@
           <a:p>
             <a:fld id="{B1E463BD-CF88-4D51-BB25-A25337C19F79}" type="datetimeFigureOut">
               <a:rPr lang="pt-BR" smtClean="0"/>
-              <a:t>15/08/2021</a:t>
+              <a:t>16/08/2021</a:t>
             </a:fld>
             <a:endParaRPr lang="pt-BR"/>
           </a:p>
@@ -3104,7 +3104,7 @@
           <a:p>
             <a:fld id="{B1E463BD-CF88-4D51-BB25-A25337C19F79}" type="datetimeFigureOut">
               <a:rPr lang="pt-BR" smtClean="0"/>
-              <a:t>15/08/2021</a:t>
+              <a:t>16/08/2021</a:t>
             </a:fld>
             <a:endParaRPr lang="pt-BR"/>
           </a:p>
@@ -3401,7 +3401,7 @@
           <a:p>
             <a:fld id="{B1E463BD-CF88-4D51-BB25-A25337C19F79}" type="datetimeFigureOut">
               <a:rPr lang="pt-BR" smtClean="0"/>
-              <a:t>15/08/2021</a:t>
+              <a:t>16/08/2021</a:t>
             </a:fld>
             <a:endParaRPr lang="pt-BR"/>
           </a:p>
@@ -3575,7 +3575,7 @@
           <a:p>
             <a:fld id="{B1E463BD-CF88-4D51-BB25-A25337C19F79}" type="datetimeFigureOut">
               <a:rPr lang="pt-BR" smtClean="0"/>
-              <a:t>15/08/2021</a:t>
+              <a:t>16/08/2021</a:t>
             </a:fld>
             <a:endParaRPr lang="pt-BR"/>
           </a:p>
@@ -3755,7 +3755,7 @@
           <a:p>
             <a:fld id="{B1E463BD-CF88-4D51-BB25-A25337C19F79}" type="datetimeFigureOut">
               <a:rPr lang="pt-BR" smtClean="0"/>
-              <a:t>15/08/2021</a:t>
+              <a:t>16/08/2021</a:t>
             </a:fld>
             <a:endParaRPr lang="pt-BR"/>
           </a:p>
@@ -3925,7 +3925,7 @@
           <a:p>
             <a:fld id="{B1E463BD-CF88-4D51-BB25-A25337C19F79}" type="datetimeFigureOut">
               <a:rPr lang="pt-BR" smtClean="0"/>
-              <a:t>15/08/2021</a:t>
+              <a:t>16/08/2021</a:t>
             </a:fld>
             <a:endParaRPr lang="pt-BR"/>
           </a:p>
@@ -4176,7 +4176,7 @@
           <a:p>
             <a:fld id="{B1E463BD-CF88-4D51-BB25-A25337C19F79}" type="datetimeFigureOut">
               <a:rPr lang="pt-BR" smtClean="0"/>
-              <a:t>15/08/2021</a:t>
+              <a:t>16/08/2021</a:t>
             </a:fld>
             <a:endParaRPr lang="pt-BR"/>
           </a:p>
@@ -4473,7 +4473,7 @@
           <a:p>
             <a:fld id="{B1E463BD-CF88-4D51-BB25-A25337C19F79}" type="datetimeFigureOut">
               <a:rPr lang="pt-BR" smtClean="0"/>
-              <a:t>15/08/2021</a:t>
+              <a:t>16/08/2021</a:t>
             </a:fld>
             <a:endParaRPr lang="pt-BR"/>
           </a:p>
@@ -4915,7 +4915,7 @@
           <a:p>
             <a:fld id="{B1E463BD-CF88-4D51-BB25-A25337C19F79}" type="datetimeFigureOut">
               <a:rPr lang="pt-BR" smtClean="0"/>
-              <a:t>15/08/2021</a:t>
+              <a:t>16/08/2021</a:t>
             </a:fld>
             <a:endParaRPr lang="pt-BR"/>
           </a:p>
@@ -5033,7 +5033,7 @@
           <a:p>
             <a:fld id="{B1E463BD-CF88-4D51-BB25-A25337C19F79}" type="datetimeFigureOut">
               <a:rPr lang="pt-BR" smtClean="0"/>
-              <a:t>15/08/2021</a:t>
+              <a:t>16/08/2021</a:t>
             </a:fld>
             <a:endParaRPr lang="pt-BR"/>
           </a:p>
@@ -5128,7 +5128,7 @@
           <a:p>
             <a:fld id="{B1E463BD-CF88-4D51-BB25-A25337C19F79}" type="datetimeFigureOut">
               <a:rPr lang="pt-BR" smtClean="0"/>
-              <a:t>15/08/2021</a:t>
+              <a:t>16/08/2021</a:t>
             </a:fld>
             <a:endParaRPr lang="pt-BR"/>
           </a:p>
@@ -5411,7 +5411,7 @@
           <a:p>
             <a:fld id="{B1E463BD-CF88-4D51-BB25-A25337C19F79}" type="datetimeFigureOut">
               <a:rPr lang="pt-BR" smtClean="0"/>
-              <a:t>15/08/2021</a:t>
+              <a:t>16/08/2021</a:t>
             </a:fld>
             <a:endParaRPr lang="pt-BR"/>
           </a:p>
@@ -5702,7 +5702,7 @@
           <a:p>
             <a:fld id="{B1E463BD-CF88-4D51-BB25-A25337C19F79}" type="datetimeFigureOut">
               <a:rPr lang="pt-BR" smtClean="0"/>
-              <a:t>15/08/2021</a:t>
+              <a:t>16/08/2021</a:t>
             </a:fld>
             <a:endParaRPr lang="pt-BR"/>
           </a:p>
@@ -6232,7 +6232,7 @@
           <a:p>
             <a:fld id="{B1E463BD-CF88-4D51-BB25-A25337C19F79}" type="datetimeFigureOut">
               <a:rPr lang="pt-BR" smtClean="0"/>
-              <a:t>15/08/2021</a:t>
+              <a:t>16/08/2021</a:t>
             </a:fld>
             <a:endParaRPr lang="pt-BR"/>
           </a:p>
@@ -8575,11 +8575,7 @@
             <a:pPr algn="just"/>
             <a:r>
               <a:rPr lang="pt-BR" sz="2000" dirty="0" smtClean="0"/>
-              <a:t>Os parâmetros de métodos podem ter ou não tipos definidos</a:t>
-            </a:r>
-            <a:r>
-              <a:rPr lang="pt-BR" sz="2000" dirty="0" smtClean="0"/>
-              <a:t> e podemos colocar valores padrões a eles;</a:t>
+              <a:t>Os parâmetros de métodos podem ter ou não tipos definidos e podemos colocar valores padrões a eles;</a:t>
             </a:r>
           </a:p>
           <a:p>
@@ -8857,34 +8853,11 @@
             <a:pPr algn="just"/>
             <a:r>
               <a:rPr lang="pt-BR" sz="2000" dirty="0" smtClean="0"/>
-              <a:t>Foi enviado ao Java </a:t>
-            </a:r>
-            <a:r>
-              <a:rPr lang="pt-BR" sz="2000" dirty="0" err="1" smtClean="0"/>
-              <a:t>Community</a:t>
-            </a:r>
-            <a:r>
-              <a:rPr lang="pt-BR" sz="2000" dirty="0" smtClean="0"/>
-              <a:t> </a:t>
-            </a:r>
-            <a:r>
-              <a:rPr lang="pt-BR" sz="2000" dirty="0" err="1" smtClean="0"/>
-              <a:t>Process</a:t>
-            </a:r>
-            <a:r>
-              <a:rPr lang="pt-BR" sz="2000" dirty="0" smtClean="0"/>
-              <a:t> (JCP), que é um processo que permite ao ganhador participar nas versões futuras do Java, e foi aceita ;</a:t>
-            </a:r>
-          </a:p>
-          <a:p>
-            <a:pPr algn="just"/>
-            <a:endParaRPr lang="pt-BR" sz="2000" dirty="0" smtClean="0"/>
-          </a:p>
-          <a:p>
-            <a:pPr algn="just"/>
-            <a:r>
-              <a:rPr lang="pt-BR" sz="2000" dirty="0" smtClean="0"/>
-              <a:t>Teve sua primeira versão disponível ao público em 2007 e hoje se encontra na fase alfa do desenvolvimento em sua versão 4.0, com suporte continuo a 3.0;</a:t>
+              <a:t>Teve </a:t>
+            </a:r>
+            <a:r>
+              <a:rPr lang="pt-BR" sz="2000" dirty="0" smtClean="0"/>
+              <a:t>sua primeira versão disponível ao público em 2007 e hoje se encontra na fase alfa do desenvolvimento em sua versão 4.0, com suporte continuo a 3.0;</a:t>
             </a:r>
           </a:p>
           <a:p>
@@ -9092,7 +9065,6 @@
               <a:rPr lang="pt-BR" sz="2000" dirty="0" smtClean="0"/>
               <a:t> com o nome dos métodos, a partir da quantidade de argumentos definidos</a:t>
             </a:r>
-            <a:endParaRPr lang="pt-BR" sz="2000" dirty="0" smtClean="0"/>
           </a:p>
           <a:p>
             <a:pPr algn="just"/>
@@ -9513,15 +9485,7 @@
           <a:p>
             <a:r>
               <a:rPr lang="pt-BR" sz="2000" b="1" dirty="0" smtClean="0"/>
-              <a:t>[</a:t>
-            </a:r>
-            <a:r>
-              <a:rPr lang="pt-BR" sz="2000" b="1" dirty="0" smtClean="0"/>
-              <a:t>3</a:t>
-            </a:r>
-            <a:r>
-              <a:rPr lang="pt-BR" sz="2000" b="1" dirty="0" smtClean="0"/>
-              <a:t>]</a:t>
+              <a:t>[3]</a:t>
             </a:r>
             <a:r>
               <a:rPr lang="pt-BR" sz="2000" dirty="0" smtClean="0"/>
@@ -9818,7 +9782,38 @@
             <a:pPr algn="just"/>
             <a:r>
               <a:rPr lang="pt-BR" sz="2000" dirty="0" smtClean="0"/>
-              <a:t>A linguagem foi idealizada como uma alternativa à seu parente mais popular (Java);</a:t>
+              <a:t>A linguagem foi idealizada como uma alternativa à seu parente mais popular (Java</a:t>
+            </a:r>
+            <a:r>
+              <a:rPr lang="pt-BR" sz="2000" dirty="0" smtClean="0"/>
+              <a:t>);</a:t>
+            </a:r>
+          </a:p>
+          <a:p>
+            <a:pPr algn="just"/>
+            <a:endParaRPr lang="pt-BR" sz="2000" dirty="0"/>
+          </a:p>
+          <a:p>
+            <a:pPr algn="just"/>
+            <a:r>
+              <a:rPr lang="pt-BR" sz="2000" dirty="0"/>
+              <a:t>Foi enviado ao Java </a:t>
+            </a:r>
+            <a:r>
+              <a:rPr lang="pt-BR" sz="2000" dirty="0" err="1"/>
+              <a:t>Community</a:t>
+            </a:r>
+            <a:r>
+              <a:rPr lang="pt-BR" sz="2000" dirty="0"/>
+              <a:t> </a:t>
+            </a:r>
+            <a:r>
+              <a:rPr lang="pt-BR" sz="2000" dirty="0" err="1"/>
+              <a:t>Process</a:t>
+            </a:r>
+            <a:r>
+              <a:rPr lang="pt-BR" sz="2000" dirty="0"/>
+              <a:t> (JCP), que é um processo que permite ao ganhador participar nas versões futuras do Java, e foi aceita ;</a:t>
             </a:r>
           </a:p>
           <a:p>
@@ -9872,13 +9867,12 @@
             </a:r>
             <a:r>
               <a:rPr lang="pt-BR" sz="2000" dirty="0" smtClean="0"/>
-              <a:t> no final do mesmo ano;</a:t>
-            </a:r>
-            <a:endParaRPr lang="pt-BR" sz="2000" dirty="0"/>
-          </a:p>
-          <a:p>
-            <a:pPr algn="just"/>
-            <a:endParaRPr lang="pt-BR" sz="2000" dirty="0" smtClean="0"/>
+              <a:t> no final do mesmo ano</a:t>
+            </a:r>
+            <a:r>
+              <a:rPr lang="pt-BR" sz="2000" dirty="0" smtClean="0"/>
+              <a:t>;</a:t>
+            </a:r>
           </a:p>
           <a:p>
             <a:pPr algn="just"/>
@@ -10450,11 +10444,7 @@
             <a:pPr algn="just"/>
             <a:r>
               <a:rPr lang="pt-BR" sz="2000" dirty="0" smtClean="0"/>
-              <a:t>Orientada a </a:t>
-            </a:r>
-            <a:r>
-              <a:rPr lang="pt-BR" sz="2000" dirty="0" smtClean="0"/>
-              <a:t>objetos</a:t>
+              <a:t>Orientada a objetos</a:t>
             </a:r>
             <a:endParaRPr lang="pt-BR" sz="1600" dirty="0" smtClean="0"/>
           </a:p>
@@ -10491,7 +10481,6 @@
               <a:rPr lang="pt-BR" sz="2000" dirty="0" smtClean="0"/>
               <a:t>:</a:t>
             </a:r>
-            <a:endParaRPr lang="pt-BR" sz="2000" dirty="0" smtClean="0"/>
           </a:p>
           <a:p>
             <a:pPr lvl="1" algn="just"/>
@@ -10885,7 +10874,6 @@
               <a:rPr lang="pt-BR" sz="2000" dirty="0" smtClean="0"/>
               <a:t> file]” para executar o programa;</a:t>
             </a:r>
-            <a:endParaRPr lang="pt-BR" sz="2000" dirty="0" smtClean="0"/>
           </a:p>
           <a:p>
             <a:pPr algn="just"/>

--- a/Seminario/Apresentacao Groovy.pptx
+++ b/Seminario/Apresentacao Groovy.pptx
@@ -7011,7 +7011,7 @@
             </a:r>
             <a:r>
               <a:rPr lang="pt-BR" sz="2000" dirty="0" smtClean="0"/>
-              <a:t>inexistentes;</a:t>
+              <a:t>inexistentes.</a:t>
             </a:r>
             <a:endParaRPr lang="pt-BR" sz="2000" dirty="0"/>
           </a:p>
@@ -7156,13 +7156,14 @@
               <a:t>alguns tipos de classe, sendo eles: Normal, Aninhada, Abstrata, Interface e </a:t>
             </a:r>
             <a:r>
-              <a:rPr lang="pt-BR" sz="2000" dirty="0" err="1"/>
+              <a:rPr lang="pt-BR" sz="2000" dirty="0" err="1" smtClean="0"/>
               <a:t>Traits</a:t>
             </a:r>
             <a:r>
-              <a:rPr lang="pt-BR" sz="2000" dirty="0" smtClean="0"/>
-              <a:t>;</a:t>
-            </a:r>
+              <a:rPr lang="pt-BR" sz="2000" dirty="0"/>
+              <a:t>.</a:t>
+            </a:r>
+            <a:endParaRPr lang="pt-BR" sz="2000" dirty="0" smtClean="0"/>
           </a:p>
           <a:p>
             <a:pPr algn="just"/>
@@ -7207,13 +7208,14 @@
               <a:t> e, para isso, devemos declarar um campo como </a:t>
             </a:r>
             <a:r>
-              <a:rPr lang="pt-BR" sz="2000" b="1" i="1" dirty="0"/>
+              <a:rPr lang="pt-BR" sz="2000" b="1" i="1" dirty="0" smtClean="0"/>
               <a:t>final</a:t>
             </a:r>
             <a:r>
               <a:rPr lang="pt-BR" sz="2000" dirty="0"/>
-              <a:t>;</a:t>
-            </a:r>
+              <a:t>.</a:t>
+            </a:r>
+            <a:endParaRPr lang="pt-BR" sz="2000" dirty="0"/>
           </a:p>
           <a:p>
             <a:pPr algn="just"/>
@@ -7331,35 +7333,55 @@
             </a:r>
             <a:r>
               <a:rPr lang="pt-BR" sz="2000" dirty="0" smtClean="0"/>
-              <a:t> e são concretas;</a:t>
-            </a:r>
-          </a:p>
-          <a:p>
+              <a:t> e são </a:t>
+            </a:r>
+            <a:r>
+              <a:rPr lang="pt-BR" sz="2000" dirty="0" smtClean="0"/>
+              <a:t>concretas.</a:t>
+            </a:r>
             <a:endParaRPr lang="pt-BR" sz="2000" dirty="0" smtClean="0"/>
           </a:p>
           <a:p>
-            <a:r>
-              <a:rPr lang="pt-BR" sz="2000" dirty="0" smtClean="0"/>
-              <a:t>Podem ser instanciadas sem restrições por classes e scripts;</a:t>
-            </a:r>
-          </a:p>
-          <a:p>
             <a:endParaRPr lang="pt-BR" sz="2000" dirty="0" smtClean="0"/>
           </a:p>
           <a:p>
             <a:r>
               <a:rPr lang="pt-BR" sz="2000" dirty="0" smtClean="0"/>
-              <a:t>São publicas por padrão</a:t>
-            </a:r>
-          </a:p>
-          <a:p>
+              <a:t>Podem ser instanciadas sem restrições por classes e </a:t>
+            </a:r>
+            <a:r>
+              <a:rPr lang="pt-BR" sz="2000" dirty="0" smtClean="0"/>
+              <a:t>scripts.</a:t>
+            </a:r>
             <a:endParaRPr lang="pt-BR" sz="2000" dirty="0" smtClean="0"/>
           </a:p>
           <a:p>
-            <a:r>
-              <a:rPr lang="pt-BR" sz="2000" dirty="0" smtClean="0"/>
-              <a:t>São instancias ao serem chamadas pelo seu construtor</a:t>
-            </a:r>
+            <a:endParaRPr lang="pt-BR" sz="2000" dirty="0" smtClean="0"/>
+          </a:p>
+          <a:p>
+            <a:r>
+              <a:rPr lang="pt-BR" sz="2000" dirty="0" smtClean="0"/>
+              <a:t>São publicas por </a:t>
+            </a:r>
+            <a:r>
+              <a:rPr lang="pt-BR" sz="2000" dirty="0" smtClean="0"/>
+              <a:t>padrão.</a:t>
+            </a:r>
+            <a:endParaRPr lang="pt-BR" sz="2000" dirty="0" smtClean="0"/>
+          </a:p>
+          <a:p>
+            <a:endParaRPr lang="pt-BR" sz="2000" dirty="0" smtClean="0"/>
+          </a:p>
+          <a:p>
+            <a:r>
+              <a:rPr lang="pt-BR" sz="2000" dirty="0" smtClean="0"/>
+              <a:t>São instancias ao serem chamadas pelo seu </a:t>
+            </a:r>
+            <a:r>
+              <a:rPr lang="pt-BR" sz="2000" dirty="0" smtClean="0"/>
+              <a:t>construtor.</a:t>
+            </a:r>
+            <a:endParaRPr lang="pt-BR" sz="2000" dirty="0" smtClean="0"/>
           </a:p>
           <a:p>
             <a:endParaRPr lang="en-US" sz="2000" dirty="0"/>
@@ -7490,8 +7512,9 @@
             </a:r>
             <a:r>
               <a:rPr lang="pt-BR" sz="2000" dirty="0" smtClean="0"/>
-              <a:t>classe;</a:t>
-            </a:r>
+              <a:t>classe.</a:t>
+            </a:r>
+            <a:endParaRPr lang="pt-BR" sz="2000" dirty="0" smtClean="0"/>
           </a:p>
           <a:p>
             <a:endParaRPr lang="pt-BR" sz="2000" dirty="0"/>
@@ -7507,8 +7530,17 @@
             </a:r>
             <a:r>
               <a:rPr lang="pt-BR" sz="2000" dirty="0" smtClean="0"/>
-              <a:t>classe interna normalmente;</a:t>
-            </a:r>
+              <a:t>classe interna </a:t>
+            </a:r>
+            <a:r>
+              <a:rPr lang="pt-BR" sz="2000" dirty="0" smtClean="0"/>
+              <a:t>normalmente</a:t>
+            </a:r>
+            <a:r>
+              <a:rPr lang="pt-BR" sz="2000" dirty="0"/>
+              <a:t>.</a:t>
+            </a:r>
+            <a:endParaRPr lang="pt-BR" sz="2000" dirty="0" smtClean="0"/>
           </a:p>
           <a:p>
             <a:endParaRPr lang="pt-BR" sz="2000" dirty="0"/>
@@ -7532,8 +7564,13 @@
             </a:r>
             <a:r>
               <a:rPr lang="pt-BR" sz="2000" dirty="0" smtClean="0"/>
-              <a:t>sejam privados;</a:t>
-            </a:r>
+              <a:t>sejam </a:t>
+            </a:r>
+            <a:r>
+              <a:rPr lang="pt-BR" sz="2000" dirty="0" smtClean="0"/>
+              <a:t>privados.</a:t>
+            </a:r>
+            <a:endParaRPr lang="pt-BR" sz="2000" dirty="0" smtClean="0"/>
           </a:p>
           <a:p>
             <a:endParaRPr lang="pt-BR" sz="2000" dirty="0"/>
@@ -7557,7 +7594,11 @@
             </a:r>
             <a:r>
               <a:rPr lang="pt-BR" sz="2000" dirty="0" smtClean="0"/>
-              <a:t>à classe interna;</a:t>
+              <a:t>à classe </a:t>
+            </a:r>
+            <a:r>
+              <a:rPr lang="pt-BR" sz="2000" dirty="0" smtClean="0"/>
+              <a:t>interna.</a:t>
             </a:r>
             <a:endParaRPr lang="en-US" sz="2000" dirty="0"/>
           </a:p>
@@ -7683,11 +7724,16 @@
             </a:r>
             <a:r>
               <a:rPr lang="pt-BR" sz="2000" dirty="0" smtClean="0"/>
-              <a:t>genéricos de classes;</a:t>
-            </a:r>
-          </a:p>
-          <a:p>
-            <a:endParaRPr lang="pt-BR" sz="2000" dirty="0"/>
+              <a:t>genéricos de </a:t>
+            </a:r>
+            <a:r>
+              <a:rPr lang="pt-BR" sz="2000" dirty="0" smtClean="0"/>
+              <a:t>classes.</a:t>
+            </a:r>
+            <a:endParaRPr lang="pt-BR" sz="2000" dirty="0" smtClean="0"/>
+          </a:p>
+          <a:p>
+            <a:endParaRPr lang="pt-BR" sz="2000" b="1" dirty="0"/>
           </a:p>
           <a:p>
             <a:r>
@@ -7700,8 +7746,9 @@
             </a:r>
             <a:r>
               <a:rPr lang="pt-BR" sz="2000" dirty="0" smtClean="0"/>
-              <a:t>instanciada;</a:t>
-            </a:r>
+              <a:t>instanciada.</a:t>
+            </a:r>
+            <a:endParaRPr lang="pt-BR" sz="2000" dirty="0" smtClean="0"/>
           </a:p>
           <a:p>
             <a:endParaRPr lang="pt-BR" sz="2000" dirty="0"/>
@@ -7725,8 +7772,9 @@
             </a:r>
             <a:r>
               <a:rPr lang="pt-BR" sz="2000" dirty="0" smtClean="0"/>
-              <a:t>concretos;</a:t>
-            </a:r>
+              <a:t>concretos.</a:t>
+            </a:r>
+            <a:endParaRPr lang="pt-BR" sz="2000" dirty="0" smtClean="0"/>
           </a:p>
           <a:p>
             <a:endParaRPr lang="pt-BR" sz="2000" dirty="0"/>
@@ -7750,8 +7798,9 @@
             </a:r>
             <a:r>
               <a:rPr lang="pt-BR" sz="2000" dirty="0" smtClean="0"/>
-              <a:t>subclasses;</a:t>
-            </a:r>
+              <a:t>subclasses.</a:t>
+            </a:r>
+            <a:endParaRPr lang="pt-BR" sz="2000" dirty="0" smtClean="0"/>
           </a:p>
           <a:p>
             <a:endParaRPr lang="en-US" sz="2000" dirty="0"/>
@@ -7886,8 +7935,9 @@
             </a:r>
             <a:r>
               <a:rPr lang="pt-BR" sz="2000" dirty="0" smtClean="0"/>
-              <a:t>seguir</a:t>
-            </a:r>
+              <a:t>seguir.</a:t>
+            </a:r>
+            <a:endParaRPr lang="pt-BR" sz="2000" dirty="0" smtClean="0"/>
           </a:p>
           <a:p>
             <a:endParaRPr lang="pt-BR" sz="2000" dirty="0"/>
@@ -7911,8 +7961,13 @@
             </a:r>
             <a:r>
               <a:rPr lang="pt-BR" sz="2000" dirty="0" smtClean="0"/>
-              <a:t>precisam ser implementados;</a:t>
-            </a:r>
+              <a:t>precisam ser </a:t>
+            </a:r>
+            <a:r>
+              <a:rPr lang="pt-BR" sz="2000" dirty="0" smtClean="0"/>
+              <a:t>implementados.</a:t>
+            </a:r>
+            <a:endParaRPr lang="pt-BR" sz="2000" dirty="0" smtClean="0"/>
           </a:p>
           <a:p>
             <a:endParaRPr lang="pt-BR" sz="2000" dirty="0"/>
@@ -7928,8 +7983,13 @@
             </a:r>
             <a:r>
               <a:rPr lang="pt-BR" sz="2000" dirty="0" smtClean="0"/>
-              <a:t>sempre públicos</a:t>
-            </a:r>
+              <a:t>sempre </a:t>
+            </a:r>
+            <a:r>
+              <a:rPr lang="pt-BR" sz="2000" dirty="0" smtClean="0"/>
+              <a:t>públicos.</a:t>
+            </a:r>
+            <a:endParaRPr lang="pt-BR" sz="2000" dirty="0" smtClean="0"/>
           </a:p>
           <a:p>
             <a:endParaRPr lang="pt-BR" sz="2000" dirty="0"/>
@@ -7980,7 +8040,11 @@
             </a:r>
             <a:r>
               <a:rPr lang="pt-BR" sz="1400" dirty="0"/>
-              <a:t>dos métodos</a:t>
+              <a:t>dos </a:t>
+            </a:r>
+            <a:r>
+              <a:rPr lang="pt-BR" sz="1400" dirty="0" smtClean="0"/>
+              <a:t>métodos.</a:t>
             </a:r>
             <a:endParaRPr lang="pt-BR" sz="1400" dirty="0" smtClean="0"/>
           </a:p>
@@ -8140,8 +8204,9 @@
             </a:r>
             <a:r>
               <a:rPr lang="pt-BR" sz="2000" dirty="0" smtClean="0"/>
-              <a:t>estados;</a:t>
-            </a:r>
+              <a:t>estados.</a:t>
+            </a:r>
+            <a:endParaRPr lang="pt-BR" sz="2000" dirty="0" smtClean="0"/>
           </a:p>
           <a:p>
             <a:pPr algn="just"/>
@@ -8166,9 +8231,10 @@
               <a:t>implements</a:t>
             </a:r>
             <a:r>
-              <a:rPr lang="pt-BR" sz="2000" dirty="0" smtClean="0"/>
-              <a:t>;</a:t>
-            </a:r>
+              <a:rPr lang="pt-BR" sz="2000" dirty="0"/>
+              <a:t>.</a:t>
+            </a:r>
+            <a:endParaRPr lang="pt-BR" sz="2000" dirty="0" smtClean="0"/>
           </a:p>
           <a:p>
             <a:pPr algn="just"/>
@@ -8197,8 +8263,8 @@
               <a:t>private</a:t>
             </a:r>
             <a:r>
-              <a:rPr lang="pt-BR" sz="2000" dirty="0" smtClean="0"/>
-              <a:t>;</a:t>
+              <a:rPr lang="pt-BR" sz="2000" dirty="0"/>
+              <a:t>.</a:t>
             </a:r>
             <a:endParaRPr lang="pt-BR" sz="2000" dirty="0"/>
           </a:p>
@@ -8345,8 +8411,17 @@
             </a:r>
             <a:r>
               <a:rPr lang="pt-BR" sz="2000" dirty="0" smtClean="0"/>
-              <a:t>, que geralmente são feitos para salvar estados dos objetos; </a:t>
-            </a:r>
+              <a:t>, que geralmente são feitos para salvar estados dos </a:t>
+            </a:r>
+            <a:r>
+              <a:rPr lang="pt-BR" sz="2000" dirty="0" smtClean="0"/>
+              <a:t>objetos</a:t>
+            </a:r>
+            <a:r>
+              <a:rPr lang="pt-BR" sz="2000" dirty="0"/>
+              <a:t>.</a:t>
+            </a:r>
+            <a:endParaRPr lang="pt-BR" sz="2000" dirty="0" smtClean="0"/>
           </a:p>
           <a:p>
             <a:pPr algn="just"/>
@@ -8356,8 +8431,13 @@
             <a:pPr algn="just"/>
             <a:r>
               <a:rPr lang="pt-BR" sz="2000" dirty="0" smtClean="0"/>
-              <a:t>Podem ter propriedades;</a:t>
-            </a:r>
+              <a:t>Podem ter </a:t>
+            </a:r>
+            <a:r>
+              <a:rPr lang="pt-BR" sz="2000" dirty="0" smtClean="0"/>
+              <a:t>propriedades.</a:t>
+            </a:r>
+            <a:endParaRPr lang="pt-BR" sz="2000" dirty="0" smtClean="0"/>
           </a:p>
           <a:p>
             <a:pPr algn="just"/>
@@ -8371,7 +8451,7 @@
             </a:r>
             <a:r>
               <a:rPr lang="pt-BR" sz="2000" dirty="0" smtClean="0"/>
-              <a:t>interfaces;</a:t>
+              <a:t>interfaces.</a:t>
             </a:r>
             <a:endParaRPr lang="pt-BR" sz="2000" dirty="0"/>
           </a:p>
@@ -8817,7 +8897,7 @@
         </p:nvSpPr>
         <p:spPr>
           <a:xfrm>
-            <a:off x="1484310" y="1752599"/>
+            <a:off x="1475601" y="1770017"/>
             <a:ext cx="10018713" cy="5105401"/>
           </a:xfrm>
         </p:spPr>
@@ -8842,8 +8922,13 @@
             </a:r>
             <a:r>
               <a:rPr lang="pt-BR" sz="2000" dirty="0" smtClean="0"/>
-              <a:t> que teve a ideia de desenvolvimento em 2003;</a:t>
-            </a:r>
+              <a:t> que teve a ideia de desenvolvimento em </a:t>
+            </a:r>
+            <a:r>
+              <a:rPr lang="pt-BR" sz="2000" dirty="0" smtClean="0"/>
+              <a:t>2003.</a:t>
+            </a:r>
+            <a:endParaRPr lang="pt-BR" sz="2000" dirty="0" smtClean="0"/>
           </a:p>
           <a:p>
             <a:pPr algn="just"/>
@@ -8853,12 +8938,13 @@
             <a:pPr algn="just"/>
             <a:r>
               <a:rPr lang="pt-BR" sz="2000" dirty="0" smtClean="0"/>
-              <a:t>Teve </a:t>
-            </a:r>
-            <a:r>
-              <a:rPr lang="pt-BR" sz="2000" dirty="0" smtClean="0"/>
-              <a:t>sua primeira versão disponível ao público em 2007 e hoje se encontra na fase alfa do desenvolvimento em sua versão 4.0, com suporte continuo a 3.0;</a:t>
-            </a:r>
+              <a:t>Teve sua primeira versão disponível ao público em 2007 e hoje se encontra na fase alfa do desenvolvimento em sua versão 4.0, com suporte continuo a </a:t>
+            </a:r>
+            <a:r>
+              <a:rPr lang="pt-BR" sz="2000" dirty="0" smtClean="0"/>
+              <a:t>3.0.</a:t>
+            </a:r>
+            <a:endParaRPr lang="pt-BR" sz="2000" dirty="0" smtClean="0"/>
           </a:p>
           <a:p>
             <a:pPr algn="just"/>
@@ -8892,8 +8978,13 @@
             </a:r>
             <a:r>
               <a:rPr lang="pt-BR" sz="2000" dirty="0" smtClean="0"/>
-              <a:t> e Google;</a:t>
-            </a:r>
+              <a:t> e </a:t>
+            </a:r>
+            <a:r>
+              <a:rPr lang="pt-BR" sz="2000" dirty="0" smtClean="0"/>
+              <a:t>Google.</a:t>
+            </a:r>
+            <a:endParaRPr lang="pt-BR" sz="2000" dirty="0" smtClean="0"/>
           </a:p>
           <a:p>
             <a:pPr algn="just"/>
@@ -8991,13 +9082,14 @@
               <a:t>Podem ter parâmetros nomeados, e precisam receber os parâmetros como um </a:t>
             </a:r>
             <a:r>
-              <a:rPr lang="pt-BR" sz="2000" dirty="0" err="1" smtClean="0"/>
+              <a:rPr lang="pt-BR" sz="2000" dirty="0" smtClean="0"/>
               <a:t>Map</a:t>
             </a:r>
             <a:r>
-              <a:rPr lang="pt-BR" sz="2000" dirty="0" smtClean="0"/>
-              <a:t>;</a:t>
-            </a:r>
+              <a:rPr lang="pt-BR" sz="2000" dirty="0"/>
+              <a:t>.</a:t>
+            </a:r>
+            <a:endParaRPr lang="pt-BR" sz="2000" dirty="0" smtClean="0"/>
           </a:p>
           <a:p>
             <a:pPr marL="0" indent="0" algn="just">
@@ -9040,8 +9132,13 @@
             </a:r>
             <a:r>
               <a:rPr lang="pt-BR" sz="1600" dirty="0" smtClean="0"/>
-              <a:t> passado</a:t>
-            </a:r>
+              <a:t> </a:t>
+            </a:r>
+            <a:r>
+              <a:rPr lang="pt-BR" sz="1600" dirty="0" smtClean="0"/>
+              <a:t>passado.</a:t>
+            </a:r>
+            <a:endParaRPr lang="pt-BR" sz="1600" dirty="0" smtClean="0"/>
           </a:p>
           <a:p>
             <a:pPr algn="just"/>
@@ -9063,8 +9160,13 @@
             </a:r>
             <a:r>
               <a:rPr lang="pt-BR" sz="2000" dirty="0" smtClean="0"/>
-              <a:t> com o nome dos métodos, a partir da quantidade de argumentos definidos</a:t>
-            </a:r>
+              <a:t> com o nome dos métodos, a partir da quantidade de argumentos </a:t>
+            </a:r>
+            <a:r>
+              <a:rPr lang="pt-BR" sz="2000" dirty="0" smtClean="0"/>
+              <a:t>definidos.</a:t>
+            </a:r>
+            <a:endParaRPr lang="pt-BR" sz="2000" dirty="0" smtClean="0"/>
           </a:p>
           <a:p>
             <a:pPr algn="just"/>
@@ -9786,7 +9888,7 @@
             </a:r>
             <a:r>
               <a:rPr lang="pt-BR" sz="2000" dirty="0" smtClean="0"/>
-              <a:t>);</a:t>
+              <a:t>).</a:t>
             </a:r>
           </a:p>
           <a:p>
@@ -9813,8 +9915,13 @@
             </a:r>
             <a:r>
               <a:rPr lang="pt-BR" sz="2000" dirty="0"/>
-              <a:t> (JCP), que é um processo que permite ao ganhador participar nas versões futuras do Java, e foi aceita ;</a:t>
-            </a:r>
+              <a:t> (JCP), que é um processo que permite ao ganhador participar nas versões futuras do Java, e foi aceita </a:t>
+            </a:r>
+            <a:r>
+              <a:rPr lang="pt-BR" sz="2000" dirty="0" smtClean="0"/>
+              <a:t>.</a:t>
+            </a:r>
+            <a:endParaRPr lang="pt-BR" sz="2000" dirty="0"/>
           </a:p>
           <a:p>
             <a:pPr algn="just"/>
@@ -9832,8 +9939,13 @@
             </a:r>
             <a:r>
               <a:rPr lang="pt-BR" sz="2000" dirty="0" smtClean="0"/>
-              <a:t>, ficou em segundo lugar na mesma premiação;</a:t>
-            </a:r>
+              <a:t>, ficou em segundo lugar na mesma </a:t>
+            </a:r>
+            <a:r>
+              <a:rPr lang="pt-BR" sz="2000" dirty="0" smtClean="0"/>
+              <a:t>premiação.</a:t>
+            </a:r>
+            <a:endParaRPr lang="pt-BR" sz="2000" dirty="0" smtClean="0"/>
           </a:p>
           <a:p>
             <a:pPr algn="just"/>
@@ -9867,12 +9979,13 @@
             </a:r>
             <a:r>
               <a:rPr lang="pt-BR" sz="2000" dirty="0" smtClean="0"/>
-              <a:t> no final do mesmo ano</a:t>
-            </a:r>
-            <a:r>
-              <a:rPr lang="pt-BR" sz="2000" dirty="0" smtClean="0"/>
-              <a:t>;</a:t>
-            </a:r>
+              <a:t> no final do mesmo </a:t>
+            </a:r>
+            <a:r>
+              <a:rPr lang="pt-BR" sz="2000" dirty="0" smtClean="0"/>
+              <a:t>ano.</a:t>
+            </a:r>
+            <a:endParaRPr lang="pt-BR" sz="2000" dirty="0" smtClean="0"/>
           </a:p>
           <a:p>
             <a:pPr algn="just"/>
@@ -9989,9 +10102,10 @@
               <a:t>Smalltalk</a:t>
             </a:r>
             <a:r>
-              <a:rPr lang="pt-BR" sz="2000" dirty="0" smtClean="0"/>
-              <a:t>;</a:t>
-            </a:r>
+              <a:rPr lang="pt-BR" sz="2000" dirty="0"/>
+              <a:t>.</a:t>
+            </a:r>
+            <a:endParaRPr lang="pt-BR" sz="2000" dirty="0" smtClean="0"/>
           </a:p>
           <a:p>
             <a:pPr algn="just"/>
@@ -10021,8 +10135,13 @@
             </a:r>
             <a:r>
               <a:rPr lang="pt-BR" sz="2000" dirty="0" smtClean="0"/>
-              <a:t>na linguagem;</a:t>
-            </a:r>
+              <a:t>na </a:t>
+            </a:r>
+            <a:r>
+              <a:rPr lang="pt-BR" sz="2000" dirty="0" smtClean="0"/>
+              <a:t>linguagem.</a:t>
+            </a:r>
+            <a:endParaRPr lang="pt-BR" sz="2000" dirty="0" smtClean="0"/>
           </a:p>
           <a:p>
             <a:pPr algn="just"/>
@@ -10068,8 +10187,9 @@
             </a:r>
             <a:r>
               <a:rPr lang="pt-BR" sz="2000" dirty="0" smtClean="0"/>
-              <a:t>.;</a:t>
-            </a:r>
+              <a:t>.</a:t>
+            </a:r>
+            <a:endParaRPr lang="pt-BR" sz="2000" dirty="0" smtClean="0"/>
           </a:p>
           <a:p>
             <a:pPr algn="just"/>
@@ -10316,7 +10436,7 @@
             </a:r>
             <a:r>
               <a:rPr lang="pt-BR" sz="2000" dirty="0"/>
-              <a:t>;</a:t>
+              <a:t>.</a:t>
             </a:r>
             <a:endParaRPr lang="pt-BR" sz="2000" dirty="0" smtClean="0"/>
           </a:p>
@@ -10444,8 +10564,15 @@
             <a:pPr algn="just"/>
             <a:r>
               <a:rPr lang="pt-BR" sz="2000" dirty="0" smtClean="0"/>
-              <a:t>Orientada a objetos</a:t>
-            </a:r>
+              <a:t>Orientada a </a:t>
+            </a:r>
+            <a:r>
+              <a:rPr lang="pt-BR" sz="2000" dirty="0" smtClean="0"/>
+              <a:t>objetos.</a:t>
+            </a:r>
+          </a:p>
+          <a:p>
+            <a:pPr algn="just"/>
             <a:endParaRPr lang="pt-BR" sz="1600" dirty="0" smtClean="0"/>
           </a:p>
           <a:p>
@@ -10458,10 +10585,11 @@
               <a:rPr lang="pt-BR" sz="2000" dirty="0" err="1" smtClean="0"/>
               <a:t>tipada</a:t>
             </a:r>
-            <a:r>
-              <a:rPr lang="pt-BR" sz="2000" dirty="0" smtClean="0"/>
-              <a:t>:</a:t>
-            </a:r>
+            <a:endParaRPr lang="pt-BR" sz="2000" dirty="0" smtClean="0"/>
+          </a:p>
+          <a:p>
+            <a:pPr algn="just"/>
+            <a:endParaRPr lang="pt-BR" sz="2000" dirty="0"/>
           </a:p>
           <a:p>
             <a:pPr algn="just"/>
@@ -10471,59 +10599,21 @@
             </a:r>
             <a:r>
               <a:rPr lang="pt-BR" sz="2000" dirty="0" smtClean="0"/>
-              <a:t> e </a:t>
+              <a:t> </a:t>
+            </a:r>
+            <a:r>
+              <a:rPr lang="pt-BR" sz="2000" dirty="0" smtClean="0"/>
+              <a:t>e </a:t>
             </a:r>
             <a:r>
               <a:rPr lang="pt-BR" sz="2000" dirty="0" err="1" smtClean="0"/>
               <a:t>Traits</a:t>
             </a:r>
-            <a:r>
-              <a:rPr lang="pt-BR" sz="2000" dirty="0" smtClean="0"/>
-              <a:t>:</a:t>
-            </a:r>
-          </a:p>
-          <a:p>
-            <a:pPr lvl="1" algn="just"/>
-            <a:r>
-              <a:rPr lang="pt-BR" sz="1400" dirty="0" err="1"/>
-              <a:t>Closures</a:t>
-            </a:r>
-            <a:r>
-              <a:rPr lang="pt-BR" sz="1400" dirty="0"/>
-              <a:t> nada mais são do que pedaços de código tratados como objetos, e como tal podem receber parâmetros e retornar valores. E como a JVM não sabe se o código que está rodando é </a:t>
-            </a:r>
-            <a:r>
-              <a:rPr lang="pt-BR" sz="1400" dirty="0" err="1"/>
-              <a:t>Groovy</a:t>
-            </a:r>
-            <a:r>
-              <a:rPr lang="pt-BR" sz="1400" dirty="0"/>
-              <a:t> ou Java, é perfeitamente possível dizer que um </a:t>
-            </a:r>
-            <a:r>
-              <a:rPr lang="pt-BR" sz="1400" dirty="0" err="1"/>
-              <a:t>closure</a:t>
-            </a:r>
-            <a:r>
-              <a:rPr lang="pt-BR" sz="1400" dirty="0"/>
-              <a:t> é apenas mais objeto para a JVM, tal qual uma </a:t>
-            </a:r>
-            <a:r>
-              <a:rPr lang="pt-BR" sz="1400" dirty="0" err="1"/>
-              <a:t>String</a:t>
-            </a:r>
-            <a:r>
-              <a:rPr lang="pt-BR" sz="1400" dirty="0"/>
-              <a:t> ou um </a:t>
-            </a:r>
-            <a:r>
-              <a:rPr lang="pt-BR" sz="1400" dirty="0" err="1"/>
-              <a:t>Integer</a:t>
-            </a:r>
-            <a:r>
-              <a:rPr lang="pt-BR" sz="1400" dirty="0" smtClean="0"/>
-              <a:t>.</a:t>
-            </a:r>
+            <a:endParaRPr lang="pt-BR" sz="2000" dirty="0"/>
+          </a:p>
+          <a:p>
+            <a:pPr algn="just"/>
+            <a:endParaRPr lang="pt-BR" sz="2000" dirty="0" smtClean="0"/>
           </a:p>
           <a:p>
             <a:pPr algn="just"/>
@@ -10545,12 +10635,21 @@
             </a:r>
             <a:r>
               <a:rPr lang="pt-BR" sz="2000" dirty="0" smtClean="0"/>
-              <a:t>regulares;</a:t>
-            </a:r>
+              <a:t>regulares.</a:t>
+            </a:r>
+            <a:endParaRPr lang="pt-BR" sz="2000" dirty="0" smtClean="0"/>
+          </a:p>
+          <a:p>
+            <a:pPr algn="just"/>
+            <a:endParaRPr lang="pt-BR" sz="2000" dirty="0" smtClean="0"/>
           </a:p>
           <a:p>
             <a:pPr algn="just"/>
             <a:endParaRPr lang="pt-BR" sz="2000" dirty="0"/>
+          </a:p>
+          <a:p>
+            <a:pPr algn="just"/>
+            <a:endParaRPr lang="pt-BR" sz="1600" dirty="0" smtClean="0"/>
           </a:p>
           <a:p>
             <a:pPr algn="just"/>
@@ -10651,23 +10750,28 @@
               <a:t>Escopo </a:t>
             </a:r>
             <a:r>
+              <a:rPr lang="pt-BR" sz="2000" dirty="0" smtClean="0"/>
+              <a:t>dinâmico</a:t>
+            </a:r>
+            <a:r>
               <a:rPr lang="pt-BR" sz="2000" dirty="0"/>
-              <a:t>dinâmico</a:t>
-            </a:r>
-            <a:r>
-              <a:rPr lang="pt-BR" sz="2000" dirty="0" smtClean="0"/>
-              <a:t>;</a:t>
-            </a:r>
+              <a:t>.</a:t>
+            </a:r>
+            <a:endParaRPr lang="pt-BR" sz="2000" dirty="0" smtClean="0"/>
           </a:p>
           <a:p>
             <a:pPr algn="just"/>
             <a:r>
               <a:rPr lang="pt-BR" sz="2000" dirty="0"/>
-              <a:t>Sobrecarga de operadores</a:t>
-            </a:r>
-            <a:r>
-              <a:rPr lang="pt-BR" sz="2000" dirty="0" smtClean="0"/>
-              <a:t>;</a:t>
+              <a:t>Sobrecarga de </a:t>
+            </a:r>
+            <a:r>
+              <a:rPr lang="pt-BR" sz="2000" dirty="0" smtClean="0"/>
+              <a:t>operadores</a:t>
+            </a:r>
+            <a:r>
+              <a:rPr lang="pt-BR" sz="2000" dirty="0"/>
+              <a:t>.</a:t>
             </a:r>
             <a:endParaRPr lang="pt-BR" sz="2000" dirty="0"/>
           </a:p>
@@ -10675,18 +10779,22 @@
             <a:pPr algn="just"/>
             <a:r>
               <a:rPr lang="pt-BR" sz="2000" dirty="0"/>
-              <a:t>Possui características em comum com Java, já que é inspirada nela</a:t>
-            </a:r>
-            <a:r>
-              <a:rPr lang="pt-BR" sz="2000" dirty="0" smtClean="0"/>
-              <a:t>;</a:t>
+              <a:t>Possui características em comum com Java, já que é inspirada </a:t>
+            </a:r>
+            <a:r>
+              <a:rPr lang="pt-BR" sz="2000" dirty="0" smtClean="0"/>
+              <a:t>nela.</a:t>
             </a:r>
           </a:p>
           <a:p>
             <a:pPr algn="just"/>
             <a:r>
+              <a:rPr lang="pt-BR" sz="2000" dirty="0" smtClean="0"/>
+              <a:t>Compatibilidade</a:t>
+            </a:r>
+            <a:r>
               <a:rPr lang="pt-BR" sz="2000" dirty="0"/>
-              <a:t>Compatibilidade:</a:t>
+              <a:t>:</a:t>
             </a:r>
           </a:p>
           <a:p>
@@ -10872,8 +10980,13 @@
             </a:r>
             <a:r>
               <a:rPr lang="pt-BR" sz="2000" dirty="0" smtClean="0"/>
-              <a:t> file]” para executar o programa;</a:t>
-            </a:r>
+              <a:t> file]” para executar o </a:t>
+            </a:r>
+            <a:r>
+              <a:rPr lang="pt-BR" sz="2000" dirty="0" smtClean="0"/>
+              <a:t>programa.</a:t>
+            </a:r>
+            <a:endParaRPr lang="pt-BR" sz="2000" dirty="0" smtClean="0"/>
           </a:p>
           <a:p>
             <a:pPr algn="just"/>
@@ -10898,13 +11011,14 @@
               <a:t>.</a:t>
             </a:r>
             <a:r>
-              <a:rPr lang="pt-BR" sz="2000" b="1" i="1" dirty="0" err="1" smtClean="0"/>
+              <a:rPr lang="pt-BR" sz="2000" b="1" i="1" dirty="0" smtClean="0"/>
               <a:t>class</a:t>
             </a:r>
             <a:r>
-              <a:rPr lang="pt-BR" sz="2000" dirty="0" smtClean="0"/>
-              <a:t>;</a:t>
-            </a:r>
+              <a:rPr lang="pt-BR" sz="2000" dirty="0"/>
+              <a:t>.</a:t>
+            </a:r>
+            <a:endParaRPr lang="pt-BR" sz="2000" dirty="0" smtClean="0"/>
           </a:p>
           <a:p>
             <a:pPr algn="just"/>
@@ -10922,8 +11036,9 @@
             </a:r>
             <a:r>
               <a:rPr lang="pt-BR" sz="2000" dirty="0" smtClean="0"/>
-              <a:t>”;</a:t>
-            </a:r>
+              <a:t>”.</a:t>
+            </a:r>
+            <a:endParaRPr lang="pt-BR" sz="2000" dirty="0" smtClean="0"/>
           </a:p>
           <a:p>
             <a:pPr algn="just"/>
@@ -10933,8 +11048,13 @@
             <a:pPr algn="just"/>
             <a:r>
               <a:rPr lang="pt-BR" sz="2000" dirty="0" smtClean="0"/>
-              <a:t>Como temos um console de script, consequentemente conseguimos criar scripts com a LP;</a:t>
-            </a:r>
+              <a:t>Como temos um console de script, consequentemente conseguimos criar scripts com a </a:t>
+            </a:r>
+            <a:r>
+              <a:rPr lang="pt-BR" sz="2000" dirty="0" smtClean="0"/>
+              <a:t>LP.</a:t>
+            </a:r>
+            <a:endParaRPr lang="pt-BR" sz="2000" dirty="0" smtClean="0"/>
           </a:p>
           <a:p>
             <a:pPr algn="just"/>
@@ -11036,8 +11156,13 @@
             <a:pPr algn="just"/>
             <a:r>
               <a:rPr lang="pt-BR" sz="2000" dirty="0" smtClean="0"/>
-              <a:t>O símbolo “;” eh opcional, a não ser que coloque mais de um comando na mesma linha;</a:t>
-            </a:r>
+              <a:t>O símbolo “;” eh opcional, a não ser que coloque mais de um comando na mesma </a:t>
+            </a:r>
+            <a:r>
+              <a:rPr lang="pt-BR" sz="2000" dirty="0" smtClean="0"/>
+              <a:t>linha.</a:t>
+            </a:r>
+            <a:endParaRPr lang="pt-BR" sz="2000" dirty="0" smtClean="0"/>
           </a:p>
           <a:p>
             <a:pPr algn="just"/>
@@ -11055,8 +11180,13 @@
             </a:r>
             <a:r>
               <a:rPr lang="pt-BR" sz="2000" dirty="0" smtClean="0"/>
-              <a:t>, que possibilita a alteração do tipo da variável em tempo de execução;</a:t>
-            </a:r>
+              <a:t>, que possibilita a alteração do tipo da variável em tempo de </a:t>
+            </a:r>
+            <a:r>
+              <a:rPr lang="pt-BR" sz="2000" dirty="0" smtClean="0"/>
+              <a:t>execução.</a:t>
+            </a:r>
+            <a:endParaRPr lang="pt-BR" sz="2000" dirty="0" smtClean="0"/>
           </a:p>
           <a:p>
             <a:pPr algn="just"/>
@@ -11089,9 +11219,10 @@
               <a:t>double</a:t>
             </a:r>
             <a:r>
-              <a:rPr lang="pt-BR" sz="2000" dirty="0" smtClean="0"/>
-              <a:t>;</a:t>
-            </a:r>
+              <a:rPr lang="pt-BR" sz="2000" dirty="0"/>
+              <a:t>.</a:t>
+            </a:r>
+            <a:endParaRPr lang="pt-BR" sz="2000" dirty="0" smtClean="0"/>
           </a:p>
           <a:p>
             <a:pPr algn="just"/>
@@ -11101,8 +11232,13 @@
             <a:pPr algn="just"/>
             <a:r>
               <a:rPr lang="pt-BR" sz="2000" dirty="0" smtClean="0"/>
-              <a:t>Possui precedência de operadores;</a:t>
-            </a:r>
+              <a:t>Possui precedência de </a:t>
+            </a:r>
+            <a:r>
+              <a:rPr lang="pt-BR" sz="2000" dirty="0" smtClean="0"/>
+              <a:t>operadores (sobrecarga de operadores).</a:t>
+            </a:r>
+            <a:endParaRPr lang="pt-BR" sz="2000" dirty="0" smtClean="0"/>
           </a:p>
           <a:p>
             <a:pPr algn="just"/>

--- a/Seminario/Apresentacao Groovy.pptx
+++ b/Seminario/Apresentacao Groovy.pptx
@@ -5,31 +5,33 @@
     <p:sldMasterId id="2147483660" r:id="rId1"/>
   </p:sldMasterIdLst>
   <p:notesMasterIdLst>
-    <p:notesMasterId r:id="rId24"/>
+    <p:notesMasterId r:id="rId26"/>
   </p:notesMasterIdLst>
   <p:sldIdLst>
     <p:sldId id="256" r:id="rId2"/>
     <p:sldId id="257" r:id="rId3"/>
-    <p:sldId id="258" r:id="rId4"/>
-    <p:sldId id="260" r:id="rId5"/>
-    <p:sldId id="262" r:id="rId6"/>
-    <p:sldId id="263" r:id="rId7"/>
-    <p:sldId id="264" r:id="rId8"/>
-    <p:sldId id="268" r:id="rId9"/>
-    <p:sldId id="266" r:id="rId10"/>
-    <p:sldId id="272" r:id="rId11"/>
-    <p:sldId id="274" r:id="rId12"/>
-    <p:sldId id="275" r:id="rId13"/>
-    <p:sldId id="276" r:id="rId14"/>
-    <p:sldId id="277" r:id="rId15"/>
-    <p:sldId id="278" r:id="rId16"/>
-    <p:sldId id="269" r:id="rId17"/>
-    <p:sldId id="271" r:id="rId18"/>
-    <p:sldId id="267" r:id="rId19"/>
-    <p:sldId id="273" r:id="rId20"/>
-    <p:sldId id="279" r:id="rId21"/>
-    <p:sldId id="280" r:id="rId22"/>
-    <p:sldId id="259" r:id="rId23"/>
+    <p:sldId id="282" r:id="rId4"/>
+    <p:sldId id="258" r:id="rId5"/>
+    <p:sldId id="260" r:id="rId6"/>
+    <p:sldId id="262" r:id="rId7"/>
+    <p:sldId id="263" r:id="rId8"/>
+    <p:sldId id="264" r:id="rId9"/>
+    <p:sldId id="268" r:id="rId10"/>
+    <p:sldId id="266" r:id="rId11"/>
+    <p:sldId id="272" r:id="rId12"/>
+    <p:sldId id="274" r:id="rId13"/>
+    <p:sldId id="275" r:id="rId14"/>
+    <p:sldId id="276" r:id="rId15"/>
+    <p:sldId id="277" r:id="rId16"/>
+    <p:sldId id="278" r:id="rId17"/>
+    <p:sldId id="269" r:id="rId18"/>
+    <p:sldId id="271" r:id="rId19"/>
+    <p:sldId id="267" r:id="rId20"/>
+    <p:sldId id="273" r:id="rId21"/>
+    <p:sldId id="279" r:id="rId22"/>
+    <p:sldId id="280" r:id="rId23"/>
+    <p:sldId id="284" r:id="rId24"/>
+    <p:sldId id="259" r:id="rId25"/>
   </p:sldIdLst>
   <p:sldSz cx="12192000" cy="6858000"/>
   <p:notesSz cx="6858000" cy="9144000"/>
@@ -218,7 +220,7 @@
           <a:p>
             <a:fld id="{6B6B4220-22D1-47E0-972A-D66225F5A4C2}" type="datetimeFigureOut">
               <a:rPr lang="pt-BR" smtClean="0"/>
-              <a:t>16/08/2021</a:t>
+              <a:t>18/08/2021</a:t>
             </a:fld>
             <a:endParaRPr lang="pt-BR"/>
           </a:p>
@@ -551,7 +553,7 @@
           <a:p>
             <a:fld id="{9C0C3D8A-A115-4AF7-8134-3C1A8F747396}" type="slidenum">
               <a:rPr lang="pt-BR" smtClean="0"/>
-              <a:t>18</a:t>
+              <a:t>19</a:t>
             </a:fld>
             <a:endParaRPr lang="pt-BR"/>
           </a:p>
@@ -635,7 +637,7 @@
           <a:p>
             <a:fld id="{9C0C3D8A-A115-4AF7-8134-3C1A8F747396}" type="slidenum">
               <a:rPr lang="pt-BR" smtClean="0"/>
-              <a:t>19</a:t>
+              <a:t>20</a:t>
             </a:fld>
             <a:endParaRPr lang="pt-BR"/>
           </a:p>
@@ -719,7 +721,7 @@
           <a:p>
             <a:fld id="{9C0C3D8A-A115-4AF7-8134-3C1A8F747396}" type="slidenum">
               <a:rPr lang="pt-BR" smtClean="0"/>
-              <a:t>20</a:t>
+              <a:t>21</a:t>
             </a:fld>
             <a:endParaRPr lang="pt-BR"/>
           </a:p>
@@ -1240,7 +1242,7 @@
           <a:p>
             <a:fld id="{B1E463BD-CF88-4D51-BB25-A25337C19F79}" type="datetimeFigureOut">
               <a:rPr lang="pt-BR" smtClean="0"/>
-              <a:t>16/08/2021</a:t>
+              <a:t>18/08/2021</a:t>
             </a:fld>
             <a:endParaRPr lang="pt-BR"/>
           </a:p>
@@ -1536,7 +1538,7 @@
           <a:p>
             <a:fld id="{B1E463BD-CF88-4D51-BB25-A25337C19F79}" type="datetimeFigureOut">
               <a:rPr lang="pt-BR" smtClean="0"/>
-              <a:t>16/08/2021</a:t>
+              <a:t>18/08/2021</a:t>
             </a:fld>
             <a:endParaRPr lang="pt-BR"/>
           </a:p>
@@ -1784,7 +1786,7 @@
           <a:p>
             <a:fld id="{B1E463BD-CF88-4D51-BB25-A25337C19F79}" type="datetimeFigureOut">
               <a:rPr lang="pt-BR" smtClean="0"/>
-              <a:t>16/08/2021</a:t>
+              <a:t>18/08/2021</a:t>
             </a:fld>
             <a:endParaRPr lang="pt-BR"/>
           </a:p>
@@ -2324,7 +2326,7 @@
           <a:p>
             <a:fld id="{B1E463BD-CF88-4D51-BB25-A25337C19F79}" type="datetimeFigureOut">
               <a:rPr lang="pt-BR" smtClean="0"/>
-              <a:t>16/08/2021</a:t>
+              <a:t>18/08/2021</a:t>
             </a:fld>
             <a:endParaRPr lang="pt-BR"/>
           </a:p>
@@ -2572,7 +2574,7 @@
           <a:p>
             <a:fld id="{B1E463BD-CF88-4D51-BB25-A25337C19F79}" type="datetimeFigureOut">
               <a:rPr lang="pt-BR" smtClean="0"/>
-              <a:t>16/08/2021</a:t>
+              <a:t>18/08/2021</a:t>
             </a:fld>
             <a:endParaRPr lang="pt-BR"/>
           </a:p>
@@ -3104,7 +3106,7 @@
           <a:p>
             <a:fld id="{B1E463BD-CF88-4D51-BB25-A25337C19F79}" type="datetimeFigureOut">
               <a:rPr lang="pt-BR" smtClean="0"/>
-              <a:t>16/08/2021</a:t>
+              <a:t>18/08/2021</a:t>
             </a:fld>
             <a:endParaRPr lang="pt-BR"/>
           </a:p>
@@ -3401,7 +3403,7 @@
           <a:p>
             <a:fld id="{B1E463BD-CF88-4D51-BB25-A25337C19F79}" type="datetimeFigureOut">
               <a:rPr lang="pt-BR" smtClean="0"/>
-              <a:t>16/08/2021</a:t>
+              <a:t>18/08/2021</a:t>
             </a:fld>
             <a:endParaRPr lang="pt-BR"/>
           </a:p>
@@ -3575,7 +3577,7 @@
           <a:p>
             <a:fld id="{B1E463BD-CF88-4D51-BB25-A25337C19F79}" type="datetimeFigureOut">
               <a:rPr lang="pt-BR" smtClean="0"/>
-              <a:t>16/08/2021</a:t>
+              <a:t>18/08/2021</a:t>
             </a:fld>
             <a:endParaRPr lang="pt-BR"/>
           </a:p>
@@ -3755,7 +3757,7 @@
           <a:p>
             <a:fld id="{B1E463BD-CF88-4D51-BB25-A25337C19F79}" type="datetimeFigureOut">
               <a:rPr lang="pt-BR" smtClean="0"/>
-              <a:t>16/08/2021</a:t>
+              <a:t>18/08/2021</a:t>
             </a:fld>
             <a:endParaRPr lang="pt-BR"/>
           </a:p>
@@ -3925,7 +3927,7 @@
           <a:p>
             <a:fld id="{B1E463BD-CF88-4D51-BB25-A25337C19F79}" type="datetimeFigureOut">
               <a:rPr lang="pt-BR" smtClean="0"/>
-              <a:t>16/08/2021</a:t>
+              <a:t>18/08/2021</a:t>
             </a:fld>
             <a:endParaRPr lang="pt-BR"/>
           </a:p>
@@ -4176,7 +4178,7 @@
           <a:p>
             <a:fld id="{B1E463BD-CF88-4D51-BB25-A25337C19F79}" type="datetimeFigureOut">
               <a:rPr lang="pt-BR" smtClean="0"/>
-              <a:t>16/08/2021</a:t>
+              <a:t>18/08/2021</a:t>
             </a:fld>
             <a:endParaRPr lang="pt-BR"/>
           </a:p>
@@ -4473,7 +4475,7 @@
           <a:p>
             <a:fld id="{B1E463BD-CF88-4D51-BB25-A25337C19F79}" type="datetimeFigureOut">
               <a:rPr lang="pt-BR" smtClean="0"/>
-              <a:t>16/08/2021</a:t>
+              <a:t>18/08/2021</a:t>
             </a:fld>
             <a:endParaRPr lang="pt-BR"/>
           </a:p>
@@ -4915,7 +4917,7 @@
           <a:p>
             <a:fld id="{B1E463BD-CF88-4D51-BB25-A25337C19F79}" type="datetimeFigureOut">
               <a:rPr lang="pt-BR" smtClean="0"/>
-              <a:t>16/08/2021</a:t>
+              <a:t>18/08/2021</a:t>
             </a:fld>
             <a:endParaRPr lang="pt-BR"/>
           </a:p>
@@ -5033,7 +5035,7 @@
           <a:p>
             <a:fld id="{B1E463BD-CF88-4D51-BB25-A25337C19F79}" type="datetimeFigureOut">
               <a:rPr lang="pt-BR" smtClean="0"/>
-              <a:t>16/08/2021</a:t>
+              <a:t>18/08/2021</a:t>
             </a:fld>
             <a:endParaRPr lang="pt-BR"/>
           </a:p>
@@ -5128,7 +5130,7 @@
           <a:p>
             <a:fld id="{B1E463BD-CF88-4D51-BB25-A25337C19F79}" type="datetimeFigureOut">
               <a:rPr lang="pt-BR" smtClean="0"/>
-              <a:t>16/08/2021</a:t>
+              <a:t>18/08/2021</a:t>
             </a:fld>
             <a:endParaRPr lang="pt-BR"/>
           </a:p>
@@ -5411,7 +5413,7 @@
           <a:p>
             <a:fld id="{B1E463BD-CF88-4D51-BB25-A25337C19F79}" type="datetimeFigureOut">
               <a:rPr lang="pt-BR" smtClean="0"/>
-              <a:t>16/08/2021</a:t>
+              <a:t>18/08/2021</a:t>
             </a:fld>
             <a:endParaRPr lang="pt-BR"/>
           </a:p>
@@ -5702,7 +5704,7 @@
           <a:p>
             <a:fld id="{B1E463BD-CF88-4D51-BB25-A25337C19F79}" type="datetimeFigureOut">
               <a:rPr lang="pt-BR" smtClean="0"/>
-              <a:t>16/08/2021</a:t>
+              <a:t>18/08/2021</a:t>
             </a:fld>
             <a:endParaRPr lang="pt-BR"/>
           </a:p>
@@ -6232,7 +6234,7 @@
           <a:p>
             <a:fld id="{B1E463BD-CF88-4D51-BB25-A25337C19F79}" type="datetimeFigureOut">
               <a:rPr lang="pt-BR" smtClean="0"/>
-              <a:t>16/08/2021</a:t>
+              <a:t>18/08/2021</a:t>
             </a:fld>
             <a:endParaRPr lang="pt-BR"/>
           </a:p>
@@ -6955,6 +6957,199 @@
           <a:lstStyle/>
           <a:p>
             <a:r>
+              <a:rPr lang="pt-BR" dirty="0" smtClean="0"/>
+              <a:t>Particularidades</a:t>
+            </a:r>
+            <a:endParaRPr lang="pt-BR" dirty="0"/>
+          </a:p>
+        </p:txBody>
+      </p:sp>
+      <p:sp>
+        <p:nvSpPr>
+          <p:cNvPr id="3" name="Espaço Reservado para Conteúdo 2"/>
+          <p:cNvSpPr>
+            <a:spLocks noGrp="1"/>
+          </p:cNvSpPr>
+          <p:nvPr>
+            <p:ph idx="1"/>
+          </p:nvPr>
+        </p:nvSpPr>
+        <p:spPr>
+          <a:xfrm>
+            <a:off x="1484310" y="1689463"/>
+            <a:ext cx="10018713" cy="5168537"/>
+          </a:xfrm>
+        </p:spPr>
+        <p:txBody>
+          <a:bodyPr>
+            <a:normAutofit/>
+          </a:bodyPr>
+          <a:lstStyle/>
+          <a:p>
+            <a:pPr algn="just"/>
+            <a:r>
+              <a:rPr lang="pt-BR" sz="2000" dirty="0" smtClean="0"/>
+              <a:t>O símbolo “;” eh opcional, a não ser que coloque mais de um comando na mesma linha.</a:t>
+            </a:r>
+          </a:p>
+          <a:p>
+            <a:pPr algn="just"/>
+            <a:endParaRPr lang="pt-BR" sz="2000" dirty="0" smtClean="0"/>
+          </a:p>
+          <a:p>
+            <a:pPr algn="just"/>
+            <a:r>
+              <a:rPr lang="pt-BR" sz="2000" dirty="0" smtClean="0"/>
+              <a:t> Para definir uma variável, utilizamos a palavra reservada </a:t>
+            </a:r>
+            <a:r>
+              <a:rPr lang="pt-BR" sz="2000" b="1" i="1" dirty="0" err="1" smtClean="0"/>
+              <a:t>def</a:t>
+            </a:r>
+            <a:r>
+              <a:rPr lang="pt-BR" sz="2000" dirty="0" smtClean="0"/>
+              <a:t>, que possibilita a alteração do tipo da variável em tempo de execução.</a:t>
+            </a:r>
+          </a:p>
+          <a:p>
+            <a:pPr algn="just"/>
+            <a:endParaRPr lang="pt-BR" sz="2000" dirty="0" smtClean="0"/>
+          </a:p>
+          <a:p>
+            <a:pPr algn="just"/>
+            <a:r>
+              <a:rPr lang="pt-BR" sz="2000" dirty="0" smtClean="0"/>
+              <a:t>Podemos usar </a:t>
+            </a:r>
+            <a:r>
+              <a:rPr lang="pt-BR" sz="2000" dirty="0" err="1" smtClean="0"/>
+              <a:t>DataTypes</a:t>
+            </a:r>
+            <a:r>
+              <a:rPr lang="pt-BR" sz="2000" dirty="0" smtClean="0"/>
+              <a:t> que proíbe a alteração do tipo da variável durante a execução, isto eh, declarar variáveis com tipos definidos, como </a:t>
+            </a:r>
+            <a:r>
+              <a:rPr lang="pt-BR" sz="2000" b="1" i="1" dirty="0" err="1" smtClean="0"/>
+              <a:t>int</a:t>
+            </a:r>
+            <a:r>
+              <a:rPr lang="pt-BR" sz="2000" dirty="0" smtClean="0"/>
+              <a:t> ou </a:t>
+            </a:r>
+            <a:r>
+              <a:rPr lang="pt-BR" sz="2000" b="1" i="1" dirty="0" err="1" smtClean="0"/>
+              <a:t>double</a:t>
+            </a:r>
+            <a:r>
+              <a:rPr lang="pt-BR" sz="2000" dirty="0"/>
+              <a:t>.</a:t>
+            </a:r>
+            <a:endParaRPr lang="pt-BR" sz="2000" dirty="0" smtClean="0"/>
+          </a:p>
+          <a:p>
+            <a:pPr algn="just"/>
+            <a:endParaRPr lang="pt-BR" sz="2000" dirty="0" smtClean="0"/>
+          </a:p>
+          <a:p>
+            <a:pPr algn="just"/>
+            <a:r>
+              <a:rPr lang="pt-BR" sz="2000" dirty="0" smtClean="0"/>
+              <a:t>Possui precedência de operadores (sobrecarga de operadores).</a:t>
+            </a:r>
+          </a:p>
+          <a:p>
+            <a:pPr algn="just"/>
+            <a:endParaRPr lang="pt-BR" sz="2000" dirty="0"/>
+          </a:p>
+          <a:p>
+            <a:pPr algn="just"/>
+            <a:endParaRPr lang="pt-BR" sz="2000" dirty="0"/>
+          </a:p>
+        </p:txBody>
+      </p:sp>
+      <p:pic>
+        <p:nvPicPr>
+          <p:cNvPr id="4" name="Imagem 3"/>
+          <p:cNvPicPr>
+            <a:picLocks noChangeAspect="1"/>
+          </p:cNvPicPr>
+          <p:nvPr/>
+        </p:nvPicPr>
+        <p:blipFill>
+          <a:blip r:embed="rId2"/>
+          <a:stretch>
+            <a:fillRect/>
+          </a:stretch>
+        </p:blipFill>
+        <p:spPr>
+          <a:xfrm>
+            <a:off x="2489850" y="5661090"/>
+            <a:ext cx="2255052" cy="443617"/>
+          </a:xfrm>
+          <a:prstGeom prst="rect">
+            <a:avLst/>
+          </a:prstGeom>
+        </p:spPr>
+      </p:pic>
+    </p:spTree>
+    <p:extLst>
+      <p:ext uri="{BB962C8B-B14F-4D97-AF65-F5344CB8AC3E}">
+        <p14:creationId xmlns:p14="http://schemas.microsoft.com/office/powerpoint/2010/main" val="2186883364"/>
+      </p:ext>
+    </p:extLst>
+  </p:cSld>
+  <p:clrMapOvr>
+    <a:masterClrMapping/>
+  </p:clrMapOvr>
+  <p:timing>
+    <p:tnLst>
+      <p:par>
+        <p:cTn id="1" dur="indefinite" restart="never" nodeType="tmRoot"/>
+      </p:par>
+    </p:tnLst>
+  </p:timing>
+</p:sld>
+</file>
+
+<file path=ppt/slides/slide11.xml><?xml version="1.0" encoding="utf-8"?>
+<p:sld xmlns:a="http://schemas.openxmlformats.org/drawingml/2006/main" xmlns:r="http://schemas.openxmlformats.org/officeDocument/2006/relationships" xmlns:p="http://schemas.openxmlformats.org/presentationml/2006/main">
+  <p:cSld>
+    <p:spTree>
+      <p:nvGrpSpPr>
+        <p:cNvPr id="1" name=""/>
+        <p:cNvGrpSpPr/>
+        <p:nvPr/>
+      </p:nvGrpSpPr>
+      <p:grpSpPr>
+        <a:xfrm>
+          <a:off x="0" y="0"/>
+          <a:ext cx="0" cy="0"/>
+          <a:chOff x="0" y="0"/>
+          <a:chExt cx="0" cy="0"/>
+        </a:xfrm>
+      </p:grpSpPr>
+      <p:sp>
+        <p:nvSpPr>
+          <p:cNvPr id="2" name="Título 1"/>
+          <p:cNvSpPr>
+            <a:spLocks noGrp="1"/>
+          </p:cNvSpPr>
+          <p:nvPr>
+            <p:ph type="title"/>
+          </p:nvPr>
+        </p:nvSpPr>
+        <p:spPr>
+          <a:xfrm>
+            <a:off x="1484309" y="0"/>
+            <a:ext cx="10018713" cy="1752599"/>
+          </a:xfrm>
+        </p:spPr>
+        <p:txBody>
+          <a:bodyPr/>
+          <a:lstStyle/>
+          <a:p>
+            <a:r>
               <a:rPr lang="pt-BR" dirty="0" err="1" smtClean="0"/>
               <a:t>Tipagem</a:t>
             </a:r>
@@ -7079,7 +7274,7 @@
 </p:sld>
 </file>
 
-<file path=ppt/slides/slide11.xml><?xml version="1.0" encoding="utf-8"?>
+<file path=ppt/slides/slide12.xml><?xml version="1.0" encoding="utf-8"?>
 <p:sld xmlns:a="http://schemas.openxmlformats.org/drawingml/2006/main" xmlns:r="http://schemas.openxmlformats.org/officeDocument/2006/relationships" xmlns:p="http://schemas.openxmlformats.org/presentationml/2006/main">
   <p:cSld>
     <p:spTree>
@@ -7215,7 +7410,6 @@
               <a:rPr lang="pt-BR" sz="2000" dirty="0"/>
               <a:t>.</a:t>
             </a:r>
-            <a:endParaRPr lang="pt-BR" sz="2000" dirty="0"/>
           </a:p>
           <a:p>
             <a:pPr algn="just"/>
@@ -7250,7 +7444,7 @@
 </p:sld>
 </file>
 
-<file path=ppt/slides/slide12.xml><?xml version="1.0" encoding="utf-8"?>
+<file path=ppt/slides/slide13.xml><?xml version="1.0" encoding="utf-8"?>
 <p:sld xmlns:a="http://schemas.openxmlformats.org/drawingml/2006/main" xmlns:r="http://schemas.openxmlformats.org/officeDocument/2006/relationships" xmlns:p="http://schemas.openxmlformats.org/presentationml/2006/main">
   <p:cSld>
     <p:spTree>
@@ -7333,55 +7527,35 @@
             </a:r>
             <a:r>
               <a:rPr lang="pt-BR" sz="2000" dirty="0" smtClean="0"/>
-              <a:t> e são </a:t>
-            </a:r>
-            <a:r>
-              <a:rPr lang="pt-BR" sz="2000" dirty="0" smtClean="0"/>
-              <a:t>concretas.</a:t>
-            </a:r>
+              <a:t> e são concretas.</a:t>
+            </a:r>
+          </a:p>
+          <a:p>
             <a:endParaRPr lang="pt-BR" sz="2000" dirty="0" smtClean="0"/>
           </a:p>
           <a:p>
+            <a:r>
+              <a:rPr lang="pt-BR" sz="2000" dirty="0" smtClean="0"/>
+              <a:t>Podem ser instanciadas sem restrições por classes e scripts.</a:t>
+            </a:r>
+          </a:p>
+          <a:p>
             <a:endParaRPr lang="pt-BR" sz="2000" dirty="0" smtClean="0"/>
           </a:p>
           <a:p>
             <a:r>
               <a:rPr lang="pt-BR" sz="2000" dirty="0" smtClean="0"/>
-              <a:t>Podem ser instanciadas sem restrições por classes e </a:t>
-            </a:r>
-            <a:r>
-              <a:rPr lang="pt-BR" sz="2000" dirty="0" smtClean="0"/>
-              <a:t>scripts.</a:t>
-            </a:r>
+              <a:t>São publicas por padrão.</a:t>
+            </a:r>
+          </a:p>
+          <a:p>
             <a:endParaRPr lang="pt-BR" sz="2000" dirty="0" smtClean="0"/>
           </a:p>
           <a:p>
-            <a:endParaRPr lang="pt-BR" sz="2000" dirty="0" smtClean="0"/>
-          </a:p>
-          <a:p>
-            <a:r>
-              <a:rPr lang="pt-BR" sz="2000" dirty="0" smtClean="0"/>
-              <a:t>São publicas por </a:t>
-            </a:r>
-            <a:r>
-              <a:rPr lang="pt-BR" sz="2000" dirty="0" smtClean="0"/>
-              <a:t>padrão.</a:t>
-            </a:r>
-            <a:endParaRPr lang="pt-BR" sz="2000" dirty="0" smtClean="0"/>
-          </a:p>
-          <a:p>
-            <a:endParaRPr lang="pt-BR" sz="2000" dirty="0" smtClean="0"/>
-          </a:p>
-          <a:p>
-            <a:r>
-              <a:rPr lang="pt-BR" sz="2000" dirty="0" smtClean="0"/>
-              <a:t>São instancias ao serem chamadas pelo seu </a:t>
-            </a:r>
-            <a:r>
-              <a:rPr lang="pt-BR" sz="2000" dirty="0" smtClean="0"/>
-              <a:t>construtor.</a:t>
-            </a:r>
-            <a:endParaRPr lang="pt-BR" sz="2000" dirty="0" smtClean="0"/>
+            <a:r>
+              <a:rPr lang="pt-BR" sz="2000" dirty="0" smtClean="0"/>
+              <a:t>São instancias ao serem chamadas pelo seu construtor.</a:t>
+            </a:r>
           </a:p>
           <a:p>
             <a:endParaRPr lang="en-US" sz="2000" dirty="0"/>
@@ -7435,7 +7609,7 @@
 </p:sld>
 </file>
 
-<file path=ppt/slides/slide13.xml><?xml version="1.0" encoding="utf-8"?>
+<file path=ppt/slides/slide14.xml><?xml version="1.0" encoding="utf-8"?>
 <p:sld xmlns:a="http://schemas.openxmlformats.org/drawingml/2006/main" xmlns:r="http://schemas.openxmlformats.org/officeDocument/2006/relationships" xmlns:p="http://schemas.openxmlformats.org/presentationml/2006/main">
   <p:cSld>
     <p:spTree>
@@ -7514,7 +7688,6 @@
               <a:rPr lang="pt-BR" sz="2000" dirty="0" smtClean="0"/>
               <a:t>classe.</a:t>
             </a:r>
-            <a:endParaRPr lang="pt-BR" sz="2000" dirty="0" smtClean="0"/>
           </a:p>
           <a:p>
             <a:endParaRPr lang="pt-BR" sz="2000" dirty="0"/>
@@ -7530,11 +7703,7 @@
             </a:r>
             <a:r>
               <a:rPr lang="pt-BR" sz="2000" dirty="0" smtClean="0"/>
-              <a:t>classe interna </a:t>
-            </a:r>
-            <a:r>
-              <a:rPr lang="pt-BR" sz="2000" dirty="0" smtClean="0"/>
-              <a:t>normalmente</a:t>
+              <a:t>classe interna normalmente</a:t>
             </a:r>
             <a:r>
               <a:rPr lang="pt-BR" sz="2000" dirty="0"/>
@@ -7564,13 +7733,8 @@
             </a:r>
             <a:r>
               <a:rPr lang="pt-BR" sz="2000" dirty="0" smtClean="0"/>
-              <a:t>sejam </a:t>
-            </a:r>
-            <a:r>
-              <a:rPr lang="pt-BR" sz="2000" dirty="0" smtClean="0"/>
-              <a:t>privados.</a:t>
-            </a:r>
-            <a:endParaRPr lang="pt-BR" sz="2000" dirty="0" smtClean="0"/>
+              <a:t>sejam privados.</a:t>
+            </a:r>
           </a:p>
           <a:p>
             <a:endParaRPr lang="pt-BR" sz="2000" dirty="0"/>
@@ -7594,11 +7758,7 @@
             </a:r>
             <a:r>
               <a:rPr lang="pt-BR" sz="2000" dirty="0" smtClean="0"/>
-              <a:t>à classe </a:t>
-            </a:r>
-            <a:r>
-              <a:rPr lang="pt-BR" sz="2000" dirty="0" smtClean="0"/>
-              <a:t>interna.</a:t>
+              <a:t>à classe interna.</a:t>
             </a:r>
             <a:endParaRPr lang="en-US" sz="2000" dirty="0"/>
           </a:p>
@@ -7651,7 +7811,7 @@
 </p:sld>
 </file>
 
-<file path=ppt/slides/slide14.xml><?xml version="1.0" encoding="utf-8"?>
+<file path=ppt/slides/slide15.xml><?xml version="1.0" encoding="utf-8"?>
 <p:sld xmlns:a="http://schemas.openxmlformats.org/drawingml/2006/main" xmlns:r="http://schemas.openxmlformats.org/officeDocument/2006/relationships" xmlns:p="http://schemas.openxmlformats.org/presentationml/2006/main">
   <p:cSld>
     <p:spTree>
@@ -7724,13 +7884,8 @@
             </a:r>
             <a:r>
               <a:rPr lang="pt-BR" sz="2000" dirty="0" smtClean="0"/>
-              <a:t>genéricos de </a:t>
-            </a:r>
-            <a:r>
-              <a:rPr lang="pt-BR" sz="2000" dirty="0" smtClean="0"/>
-              <a:t>classes.</a:t>
-            </a:r>
-            <a:endParaRPr lang="pt-BR" sz="2000" dirty="0" smtClean="0"/>
+              <a:t>genéricos de classes.</a:t>
+            </a:r>
           </a:p>
           <a:p>
             <a:endParaRPr lang="pt-BR" sz="2000" b="1" dirty="0"/>
@@ -7748,7 +7903,6 @@
               <a:rPr lang="pt-BR" sz="2000" dirty="0" smtClean="0"/>
               <a:t>instanciada.</a:t>
             </a:r>
-            <a:endParaRPr lang="pt-BR" sz="2000" dirty="0" smtClean="0"/>
           </a:p>
           <a:p>
             <a:endParaRPr lang="pt-BR" sz="2000" dirty="0"/>
@@ -7774,7 +7928,6 @@
               <a:rPr lang="pt-BR" sz="2000" dirty="0" smtClean="0"/>
               <a:t>concretos.</a:t>
             </a:r>
-            <a:endParaRPr lang="pt-BR" sz="2000" dirty="0" smtClean="0"/>
           </a:p>
           <a:p>
             <a:endParaRPr lang="pt-BR" sz="2000" dirty="0"/>
@@ -7800,7 +7953,6 @@
               <a:rPr lang="pt-BR" sz="2000" dirty="0" smtClean="0"/>
               <a:t>subclasses.</a:t>
             </a:r>
-            <a:endParaRPr lang="pt-BR" sz="2000" dirty="0" smtClean="0"/>
           </a:p>
           <a:p>
             <a:endParaRPr lang="en-US" sz="2000" dirty="0"/>
@@ -7854,7 +8006,7 @@
 </p:sld>
 </file>
 
-<file path=ppt/slides/slide15.xml><?xml version="1.0" encoding="utf-8"?>
+<file path=ppt/slides/slide16.xml><?xml version="1.0" encoding="utf-8"?>
 <p:sld xmlns:a="http://schemas.openxmlformats.org/drawingml/2006/main" xmlns:r="http://schemas.openxmlformats.org/officeDocument/2006/relationships" xmlns:p="http://schemas.openxmlformats.org/presentationml/2006/main">
   <p:cSld>
     <p:spTree>
@@ -7937,7 +8089,6 @@
               <a:rPr lang="pt-BR" sz="2000" dirty="0" smtClean="0"/>
               <a:t>seguir.</a:t>
             </a:r>
-            <a:endParaRPr lang="pt-BR" sz="2000" dirty="0" smtClean="0"/>
           </a:p>
           <a:p>
             <a:endParaRPr lang="pt-BR" sz="2000" dirty="0"/>
@@ -7961,13 +8112,8 @@
             </a:r>
             <a:r>
               <a:rPr lang="pt-BR" sz="2000" dirty="0" smtClean="0"/>
-              <a:t>precisam ser </a:t>
-            </a:r>
-            <a:r>
-              <a:rPr lang="pt-BR" sz="2000" dirty="0" smtClean="0"/>
-              <a:t>implementados.</a:t>
-            </a:r>
-            <a:endParaRPr lang="pt-BR" sz="2000" dirty="0" smtClean="0"/>
+              <a:t>precisam ser implementados.</a:t>
+            </a:r>
           </a:p>
           <a:p>
             <a:endParaRPr lang="pt-BR" sz="2000" dirty="0"/>
@@ -7983,13 +8129,8 @@
             </a:r>
             <a:r>
               <a:rPr lang="pt-BR" sz="2000" dirty="0" smtClean="0"/>
-              <a:t>sempre </a:t>
-            </a:r>
-            <a:r>
-              <a:rPr lang="pt-BR" sz="2000" dirty="0" smtClean="0"/>
-              <a:t>públicos.</a:t>
-            </a:r>
-            <a:endParaRPr lang="pt-BR" sz="2000" dirty="0" smtClean="0"/>
+              <a:t>sempre públicos.</a:t>
+            </a:r>
           </a:p>
           <a:p>
             <a:endParaRPr lang="pt-BR" sz="2000" dirty="0"/>
@@ -8046,7 +8187,6 @@
               <a:rPr lang="pt-BR" sz="1400" dirty="0" smtClean="0"/>
               <a:t>métodos.</a:t>
             </a:r>
-            <a:endParaRPr lang="pt-BR" sz="1400" dirty="0" smtClean="0"/>
           </a:p>
           <a:p>
             <a:endParaRPr lang="en-US" sz="2000" dirty="0"/>
@@ -8100,7 +8240,7 @@
 </p:sld>
 </file>
 
-<file path=ppt/slides/slide16.xml><?xml version="1.0" encoding="utf-8"?>
+<file path=ppt/slides/slide17.xml><?xml version="1.0" encoding="utf-8"?>
 <p:sld xmlns:a="http://schemas.openxmlformats.org/drawingml/2006/main" xmlns:r="http://schemas.openxmlformats.org/officeDocument/2006/relationships" xmlns:p="http://schemas.openxmlformats.org/presentationml/2006/main">
   <p:cSld>
     <p:spTree>
@@ -8206,7 +8346,6 @@
               <a:rPr lang="pt-BR" sz="2000" dirty="0" smtClean="0"/>
               <a:t>estados.</a:t>
             </a:r>
-            <a:endParaRPr lang="pt-BR" sz="2000" dirty="0" smtClean="0"/>
           </a:p>
           <a:p>
             <a:pPr algn="just"/>
@@ -8266,7 +8405,6 @@
               <a:rPr lang="pt-BR" sz="2000" dirty="0"/>
               <a:t>.</a:t>
             </a:r>
-            <a:endParaRPr lang="pt-BR" sz="2000" dirty="0"/>
           </a:p>
           <a:p>
             <a:endParaRPr lang="pt-BR" dirty="0" smtClean="0"/>
@@ -8323,7 +8461,7 @@
 </p:sld>
 </file>
 
-<file path=ppt/slides/slide17.xml><?xml version="1.0" encoding="utf-8"?>
+<file path=ppt/slides/slide18.xml><?xml version="1.0" encoding="utf-8"?>
 <p:sld xmlns:a="http://schemas.openxmlformats.org/drawingml/2006/main" xmlns:r="http://schemas.openxmlformats.org/officeDocument/2006/relationships" xmlns:p="http://schemas.openxmlformats.org/presentationml/2006/main">
   <p:cSld>
     <p:spTree>
@@ -8411,11 +8549,7 @@
             </a:r>
             <a:r>
               <a:rPr lang="pt-BR" sz="2000" dirty="0" smtClean="0"/>
-              <a:t>, que geralmente são feitos para salvar estados dos </a:t>
-            </a:r>
-            <a:r>
-              <a:rPr lang="pt-BR" sz="2000" dirty="0" smtClean="0"/>
-              <a:t>objetos</a:t>
+              <a:t>, que geralmente são feitos para salvar estados dos objetos</a:t>
             </a:r>
             <a:r>
               <a:rPr lang="pt-BR" sz="2000" dirty="0"/>
@@ -8431,13 +8565,8 @@
             <a:pPr algn="just"/>
             <a:r>
               <a:rPr lang="pt-BR" sz="2000" dirty="0" smtClean="0"/>
-              <a:t>Podem ter </a:t>
-            </a:r>
-            <a:r>
-              <a:rPr lang="pt-BR" sz="2000" dirty="0" smtClean="0"/>
-              <a:t>propriedades.</a:t>
-            </a:r>
-            <a:endParaRPr lang="pt-BR" sz="2000" dirty="0" smtClean="0"/>
+              <a:t>Podem ter propriedades.</a:t>
+            </a:r>
           </a:p>
           <a:p>
             <a:pPr algn="just"/>
@@ -8570,7 +8699,7 @@
 </p:sld>
 </file>
 
-<file path=ppt/slides/slide18.xml><?xml version="1.0" encoding="utf-8"?>
+<file path=ppt/slides/slide19.xml><?xml version="1.0" encoding="utf-8"?>
 <p:sld xmlns:a="http://schemas.openxmlformats.org/drawingml/2006/main" xmlns:r="http://schemas.openxmlformats.org/officeDocument/2006/relationships" xmlns:p="http://schemas.openxmlformats.org/presentationml/2006/main">
   <p:cSld>
     <p:spTree>
@@ -8708,7 +8837,171 @@
 </p:sld>
 </file>
 
-<file path=ppt/slides/slide19.xml><?xml version="1.0" encoding="utf-8"?>
+<file path=ppt/slides/slide2.xml><?xml version="1.0" encoding="utf-8"?>
+<p:sld xmlns:a="http://schemas.openxmlformats.org/drawingml/2006/main" xmlns:r="http://schemas.openxmlformats.org/officeDocument/2006/relationships" xmlns:p="http://schemas.openxmlformats.org/presentationml/2006/main">
+  <p:cSld>
+    <p:spTree>
+      <p:nvGrpSpPr>
+        <p:cNvPr id="1" name=""/>
+        <p:cNvGrpSpPr/>
+        <p:nvPr/>
+      </p:nvGrpSpPr>
+      <p:grpSpPr>
+        <a:xfrm>
+          <a:off x="0" y="0"/>
+          <a:ext cx="0" cy="0"/>
+          <a:chOff x="0" y="0"/>
+          <a:chExt cx="0" cy="0"/>
+        </a:xfrm>
+      </p:grpSpPr>
+      <p:sp>
+        <p:nvSpPr>
+          <p:cNvPr id="2" name="Título 1"/>
+          <p:cNvSpPr>
+            <a:spLocks noGrp="1"/>
+          </p:cNvSpPr>
+          <p:nvPr>
+            <p:ph type="title"/>
+          </p:nvPr>
+        </p:nvSpPr>
+        <p:spPr>
+          <a:xfrm>
+            <a:off x="1484310" y="0"/>
+            <a:ext cx="10018713" cy="1752599"/>
+          </a:xfrm>
+        </p:spPr>
+        <p:txBody>
+          <a:bodyPr/>
+          <a:lstStyle/>
+          <a:p>
+            <a:r>
+              <a:rPr lang="pt-BR" dirty="0" smtClean="0"/>
+              <a:t>Introdução</a:t>
+            </a:r>
+            <a:endParaRPr lang="pt-BR" dirty="0"/>
+          </a:p>
+        </p:txBody>
+      </p:sp>
+      <p:sp>
+        <p:nvSpPr>
+          <p:cNvPr id="3" name="Espaço Reservado para Conteúdo 2"/>
+          <p:cNvSpPr>
+            <a:spLocks noGrp="1"/>
+          </p:cNvSpPr>
+          <p:nvPr>
+            <p:ph idx="1"/>
+          </p:nvPr>
+        </p:nvSpPr>
+        <p:spPr>
+          <a:xfrm>
+            <a:off x="1475601" y="1770017"/>
+            <a:ext cx="10018713" cy="5105401"/>
+          </a:xfrm>
+        </p:spPr>
+        <p:txBody>
+          <a:bodyPr>
+            <a:normAutofit/>
+          </a:bodyPr>
+          <a:lstStyle/>
+          <a:p>
+            <a:pPr algn="just"/>
+            <a:r>
+              <a:rPr lang="pt-BR" sz="2000" dirty="0" smtClean="0"/>
+              <a:t>LP criada </a:t>
+            </a:r>
+            <a:r>
+              <a:rPr lang="pt-BR" sz="2000" dirty="0"/>
+              <a:t>por James </a:t>
+            </a:r>
+            <a:r>
+              <a:rPr lang="pt-BR" sz="2000" dirty="0" err="1" smtClean="0"/>
+              <a:t>Strachan</a:t>
+            </a:r>
+            <a:r>
+              <a:rPr lang="pt-BR" sz="2000" dirty="0" smtClean="0"/>
+              <a:t> que teve a ideia de desenvolvimento em 2003.</a:t>
+            </a:r>
+          </a:p>
+          <a:p>
+            <a:pPr algn="just"/>
+            <a:endParaRPr lang="pt-BR" sz="2000" dirty="0" smtClean="0"/>
+          </a:p>
+          <a:p>
+            <a:pPr algn="just"/>
+            <a:r>
+              <a:rPr lang="pt-BR" sz="2000" dirty="0" smtClean="0"/>
+              <a:t>Teve sua primeira versão disponível ao público em 2007 e hoje se encontra na fase alfa do desenvolvimento em sua versão 4.0, com suporte continuo a 3.0.</a:t>
+            </a:r>
+          </a:p>
+          <a:p>
+            <a:pPr algn="just"/>
+            <a:endParaRPr lang="pt-BR" sz="2000" dirty="0"/>
+          </a:p>
+          <a:p>
+            <a:pPr algn="just"/>
+            <a:r>
+              <a:rPr lang="pt-BR" sz="2000" dirty="0" smtClean="0"/>
+              <a:t>Atualmente usada por grandes empresas, como </a:t>
+            </a:r>
+            <a:r>
+              <a:rPr lang="pt-BR" sz="2000" dirty="0" err="1" smtClean="0"/>
+              <a:t>LinkedIn</a:t>
+            </a:r>
+            <a:r>
+              <a:rPr lang="pt-BR" sz="2000" dirty="0" smtClean="0"/>
+              <a:t>, </a:t>
+            </a:r>
+            <a:r>
+              <a:rPr lang="pt-BR" sz="2000" dirty="0" err="1" smtClean="0"/>
+              <a:t>BestBuy</a:t>
+            </a:r>
+            <a:r>
+              <a:rPr lang="pt-BR" sz="2000" dirty="0" smtClean="0"/>
+              <a:t>, </a:t>
+            </a:r>
+            <a:r>
+              <a:rPr lang="pt-BR" sz="2000" dirty="0" err="1" smtClean="0"/>
+              <a:t>Netflix</a:t>
+            </a:r>
+            <a:r>
+              <a:rPr lang="pt-BR" sz="2000" dirty="0" smtClean="0"/>
+              <a:t> e Google</a:t>
+            </a:r>
+            <a:r>
+              <a:rPr lang="pt-BR" sz="2000" dirty="0" smtClean="0"/>
+              <a:t>.</a:t>
+            </a:r>
+          </a:p>
+          <a:p>
+            <a:pPr algn="just"/>
+            <a:endParaRPr lang="pt-BR" sz="2000" dirty="0"/>
+          </a:p>
+          <a:p>
+            <a:pPr marL="0" indent="0" algn="just">
+              <a:buNone/>
+            </a:pPr>
+            <a:endParaRPr lang="pt-BR" sz="2000" dirty="0" smtClean="0"/>
+          </a:p>
+          <a:p>
+            <a:pPr algn="just"/>
+            <a:endParaRPr lang="pt-BR" sz="2000" dirty="0" smtClean="0"/>
+          </a:p>
+        </p:txBody>
+      </p:sp>
+    </p:spTree>
+    <p:extLst>
+      <p:ext uri="{BB962C8B-B14F-4D97-AF65-F5344CB8AC3E}">
+        <p14:creationId xmlns:p14="http://schemas.microsoft.com/office/powerpoint/2010/main" val="808825003"/>
+      </p:ext>
+    </p:extLst>
+  </p:cSld>
+  <p:clrMapOvr>
+    <a:masterClrMapping/>
+  </p:clrMapOvr>
+</p:sld>
+</file>
+
+<file path=ppt/slides/slide20.xml><?xml version="1.0" encoding="utf-8"?>
 <p:sld xmlns:a="http://schemas.openxmlformats.org/drawingml/2006/main" xmlns:r="http://schemas.openxmlformats.org/officeDocument/2006/relationships" xmlns:p="http://schemas.openxmlformats.org/presentationml/2006/main">
   <p:cSld>
     <p:spTree>
@@ -8840,7 +9133,7 @@
 </p:sld>
 </file>
 
-<file path=ppt/slides/slide2.xml><?xml version="1.0" encoding="utf-8"?>
+<file path=ppt/slides/slide21.xml><?xml version="1.0" encoding="utf-8"?>
 <p:sld xmlns:a="http://schemas.openxmlformats.org/drawingml/2006/main" xmlns:r="http://schemas.openxmlformats.org/officeDocument/2006/relationships" xmlns:p="http://schemas.openxmlformats.org/presentationml/2006/main">
   <p:cSld>
     <p:spTree>
@@ -8869,171 +9162,6 @@
         </p:nvSpPr>
         <p:spPr>
           <a:xfrm>
-            <a:off x="1484310" y="0"/>
-            <a:ext cx="10018713" cy="1752599"/>
-          </a:xfrm>
-        </p:spPr>
-        <p:txBody>
-          <a:bodyPr/>
-          <a:lstStyle/>
-          <a:p>
-            <a:r>
-              <a:rPr lang="pt-BR" dirty="0" smtClean="0"/>
-              <a:t>Introdução</a:t>
-            </a:r>
-            <a:endParaRPr lang="pt-BR" dirty="0"/>
-          </a:p>
-        </p:txBody>
-      </p:sp>
-      <p:sp>
-        <p:nvSpPr>
-          <p:cNvPr id="3" name="Espaço Reservado para Conteúdo 2"/>
-          <p:cNvSpPr>
-            <a:spLocks noGrp="1"/>
-          </p:cNvSpPr>
-          <p:nvPr>
-            <p:ph idx="1"/>
-          </p:nvPr>
-        </p:nvSpPr>
-        <p:spPr>
-          <a:xfrm>
-            <a:off x="1475601" y="1770017"/>
-            <a:ext cx="10018713" cy="5105401"/>
-          </a:xfrm>
-        </p:spPr>
-        <p:txBody>
-          <a:bodyPr>
-            <a:normAutofit/>
-          </a:bodyPr>
-          <a:lstStyle/>
-          <a:p>
-            <a:pPr algn="just"/>
-            <a:r>
-              <a:rPr lang="pt-BR" sz="2000" dirty="0" smtClean="0"/>
-              <a:t>LP criada </a:t>
-            </a:r>
-            <a:r>
-              <a:rPr lang="pt-BR" sz="2000" dirty="0"/>
-              <a:t>por James </a:t>
-            </a:r>
-            <a:r>
-              <a:rPr lang="pt-BR" sz="2000" dirty="0" err="1" smtClean="0"/>
-              <a:t>Strachan</a:t>
-            </a:r>
-            <a:r>
-              <a:rPr lang="pt-BR" sz="2000" dirty="0" smtClean="0"/>
-              <a:t> que teve a ideia de desenvolvimento em </a:t>
-            </a:r>
-            <a:r>
-              <a:rPr lang="pt-BR" sz="2000" dirty="0" smtClean="0"/>
-              <a:t>2003.</a:t>
-            </a:r>
-            <a:endParaRPr lang="pt-BR" sz="2000" dirty="0" smtClean="0"/>
-          </a:p>
-          <a:p>
-            <a:pPr algn="just"/>
-            <a:endParaRPr lang="pt-BR" sz="2000" dirty="0" smtClean="0"/>
-          </a:p>
-          <a:p>
-            <a:pPr algn="just"/>
-            <a:r>
-              <a:rPr lang="pt-BR" sz="2000" dirty="0" smtClean="0"/>
-              <a:t>Teve sua primeira versão disponível ao público em 2007 e hoje se encontra na fase alfa do desenvolvimento em sua versão 4.0, com suporte continuo a </a:t>
-            </a:r>
-            <a:r>
-              <a:rPr lang="pt-BR" sz="2000" dirty="0" smtClean="0"/>
-              <a:t>3.0.</a:t>
-            </a:r>
-            <a:endParaRPr lang="pt-BR" sz="2000" dirty="0" smtClean="0"/>
-          </a:p>
-          <a:p>
-            <a:pPr algn="just"/>
-            <a:endParaRPr lang="pt-BR" sz="2000" dirty="0"/>
-          </a:p>
-          <a:p>
-            <a:pPr algn="just"/>
-            <a:r>
-              <a:rPr lang="pt-BR" sz="2000" dirty="0" smtClean="0"/>
-              <a:t>Atualmente usada por grandes empresas, como </a:t>
-            </a:r>
-            <a:r>
-              <a:rPr lang="pt-BR" sz="2000" dirty="0" err="1" smtClean="0"/>
-              <a:t>LinkedIn</a:t>
-            </a:r>
-            <a:r>
-              <a:rPr lang="pt-BR" sz="2000" dirty="0" smtClean="0"/>
-              <a:t>, </a:t>
-            </a:r>
-            <a:r>
-              <a:rPr lang="pt-BR" sz="2000" dirty="0" err="1" smtClean="0"/>
-              <a:t>BestBuy</a:t>
-            </a:r>
-            <a:r>
-              <a:rPr lang="pt-BR" sz="2000" dirty="0" smtClean="0"/>
-              <a:t>, </a:t>
-            </a:r>
-            <a:r>
-              <a:rPr lang="pt-BR" sz="2000" dirty="0" err="1" smtClean="0"/>
-              <a:t>Netflix</a:t>
-            </a:r>
-            <a:r>
-              <a:rPr lang="pt-BR" sz="2000" dirty="0" smtClean="0"/>
-              <a:t> e </a:t>
-            </a:r>
-            <a:r>
-              <a:rPr lang="pt-BR" sz="2000" dirty="0" smtClean="0"/>
-              <a:t>Google.</a:t>
-            </a:r>
-            <a:endParaRPr lang="pt-BR" sz="2000" dirty="0" smtClean="0"/>
-          </a:p>
-          <a:p>
-            <a:pPr algn="just"/>
-            <a:endParaRPr lang="pt-BR" sz="2000" dirty="0" smtClean="0"/>
-          </a:p>
-        </p:txBody>
-      </p:sp>
-    </p:spTree>
-    <p:extLst>
-      <p:ext uri="{BB962C8B-B14F-4D97-AF65-F5344CB8AC3E}">
-        <p14:creationId xmlns:p14="http://schemas.microsoft.com/office/powerpoint/2010/main" val="808825003"/>
-      </p:ext>
-    </p:extLst>
-  </p:cSld>
-  <p:clrMapOvr>
-    <a:masterClrMapping/>
-  </p:clrMapOvr>
-</p:sld>
-</file>
-
-<file path=ppt/slides/slide20.xml><?xml version="1.0" encoding="utf-8"?>
-<p:sld xmlns:a="http://schemas.openxmlformats.org/drawingml/2006/main" xmlns:r="http://schemas.openxmlformats.org/officeDocument/2006/relationships" xmlns:p="http://schemas.openxmlformats.org/presentationml/2006/main">
-  <p:cSld>
-    <p:spTree>
-      <p:nvGrpSpPr>
-        <p:cNvPr id="1" name=""/>
-        <p:cNvGrpSpPr/>
-        <p:nvPr/>
-      </p:nvGrpSpPr>
-      <p:grpSpPr>
-        <a:xfrm>
-          <a:off x="0" y="0"/>
-          <a:ext cx="0" cy="0"/>
-          <a:chOff x="0" y="0"/>
-          <a:chExt cx="0" cy="0"/>
-        </a:xfrm>
-      </p:grpSpPr>
-      <p:sp>
-        <p:nvSpPr>
-          <p:cNvPr id="2" name="Título 1"/>
-          <p:cNvSpPr>
-            <a:spLocks noGrp="1"/>
-          </p:cNvSpPr>
-          <p:nvPr>
-            <p:ph type="title"/>
-          </p:nvPr>
-        </p:nvSpPr>
-        <p:spPr>
-          <a:xfrm>
             <a:off x="1484309" y="0"/>
             <a:ext cx="10018713" cy="1752599"/>
           </a:xfrm>
@@ -9079,11 +9207,7 @@
             <a:pPr algn="just"/>
             <a:r>
               <a:rPr lang="pt-BR" sz="2000" dirty="0" smtClean="0"/>
-              <a:t>Podem ter parâmetros nomeados, e precisam receber os parâmetros como um </a:t>
-            </a:r>
-            <a:r>
-              <a:rPr lang="pt-BR" sz="2000" dirty="0" smtClean="0"/>
-              <a:t>Map</a:t>
+              <a:t>Podem ter parâmetros nomeados, e precisam receber os parâmetros como um Map</a:t>
             </a:r>
             <a:r>
               <a:rPr lang="pt-BR" sz="2000" dirty="0"/>
@@ -9132,13 +9256,8 @@
             </a:r>
             <a:r>
               <a:rPr lang="pt-BR" sz="1600" dirty="0" smtClean="0"/>
-              <a:t> </a:t>
-            </a:r>
-            <a:r>
-              <a:rPr lang="pt-BR" sz="1600" dirty="0" smtClean="0"/>
-              <a:t>passado.</a:t>
-            </a:r>
-            <a:endParaRPr lang="pt-BR" sz="1600" dirty="0" smtClean="0"/>
+              <a:t> passado.</a:t>
+            </a:r>
           </a:p>
           <a:p>
             <a:pPr algn="just"/>
@@ -9160,13 +9279,8 @@
             </a:r>
             <a:r>
               <a:rPr lang="pt-BR" sz="2000" dirty="0" smtClean="0"/>
-              <a:t> com o nome dos métodos, a partir da quantidade de argumentos </a:t>
-            </a:r>
-            <a:r>
-              <a:rPr lang="pt-BR" sz="2000" dirty="0" smtClean="0"/>
-              <a:t>definidos.</a:t>
-            </a:r>
-            <a:endParaRPr lang="pt-BR" sz="2000" dirty="0" smtClean="0"/>
+              <a:t> com o nome dos métodos, a partir da quantidade de argumentos definidos.</a:t>
+            </a:r>
           </a:p>
           <a:p>
             <a:pPr algn="just"/>
@@ -9328,7 +9442,7 @@
 </p:sld>
 </file>
 
-<file path=ppt/slides/slide21.xml><?xml version="1.0" encoding="utf-8"?>
+<file path=ppt/slides/slide22.xml><?xml version="1.0" encoding="utf-8"?>
 <p:sld xmlns:a="http://schemas.openxmlformats.org/drawingml/2006/main" xmlns:r="http://schemas.openxmlformats.org/officeDocument/2006/relationships" xmlns:p="http://schemas.openxmlformats.org/presentationml/2006/main">
   <p:cSld>
     <p:spTree>
@@ -9394,13 +9508,207 @@
           </a:xfrm>
         </p:spPr>
         <p:txBody>
-          <a:bodyPr/>
+          <a:bodyPr>
+            <a:normAutofit/>
+          </a:bodyPr>
           <a:lstStyle/>
           <a:p>
-            <a:endParaRPr lang="pt-BR" dirty="0"/>
-          </a:p>
-        </p:txBody>
-      </p:sp>
+            <a:pPr algn="just"/>
+            <a:r>
+              <a:rPr lang="pt-BR" sz="2000" dirty="0" smtClean="0"/>
+              <a:t>Podemos </a:t>
+            </a:r>
+            <a:r>
+              <a:rPr lang="pt-BR" sz="2000" dirty="0"/>
+              <a:t>ter campos declarados nas classes que podem ser declarados como públicos e </a:t>
+            </a:r>
+            <a:r>
+              <a:rPr lang="pt-BR" sz="2000" dirty="0" smtClean="0"/>
+              <a:t>privados. </a:t>
+            </a:r>
+            <a:r>
+              <a:rPr lang="pt-BR" sz="2000" dirty="0"/>
+              <a:t>Estes recebem valores e necessitam de métodos </a:t>
+            </a:r>
+            <a:r>
+              <a:rPr lang="pt-BR" sz="2000" dirty="0" err="1"/>
+              <a:t>get</a:t>
+            </a:r>
+            <a:r>
+              <a:rPr lang="pt-BR" sz="2000" dirty="0"/>
+              <a:t> e set para serem </a:t>
+            </a:r>
+            <a:r>
+              <a:rPr lang="pt-BR" sz="2000" dirty="0" smtClean="0"/>
+              <a:t>alterados.</a:t>
+            </a:r>
+          </a:p>
+          <a:p>
+            <a:pPr algn="just"/>
+            <a:endParaRPr lang="pt-BR" sz="2000" dirty="0" smtClean="0"/>
+          </a:p>
+          <a:p>
+            <a:pPr algn="just"/>
+            <a:r>
+              <a:rPr lang="pt-BR" sz="2000" dirty="0" smtClean="0"/>
+              <a:t>As propriedades </a:t>
+            </a:r>
+            <a:r>
+              <a:rPr lang="pt-BR" sz="2000" dirty="0"/>
+              <a:t>servem para expor os campos, isto é, podemos utilizar seu valor e alterar o mesmo sem a necessidade de se criar métodos </a:t>
+            </a:r>
+            <a:r>
+              <a:rPr lang="pt-BR" sz="2000" dirty="0" err="1"/>
+              <a:t>get</a:t>
+            </a:r>
+            <a:r>
+              <a:rPr lang="pt-BR" sz="2000" dirty="0"/>
+              <a:t> e </a:t>
+            </a:r>
+            <a:r>
+              <a:rPr lang="pt-BR" sz="2000" dirty="0" smtClean="0"/>
+              <a:t>set.</a:t>
+            </a:r>
+          </a:p>
+          <a:p>
+            <a:pPr algn="just"/>
+            <a:endParaRPr lang="pt-BR" sz="2000" dirty="0"/>
+          </a:p>
+          <a:p>
+            <a:pPr algn="just"/>
+            <a:r>
+              <a:rPr lang="pt-BR" sz="2000" dirty="0"/>
+              <a:t>Ambos campos e propriedades podem ser declarados e utilizados em métodos e em </a:t>
+            </a:r>
+            <a:r>
+              <a:rPr lang="pt-BR" sz="2000" dirty="0" err="1"/>
+              <a:t>traits</a:t>
+            </a:r>
+            <a:r>
+              <a:rPr lang="pt-BR" sz="2000" dirty="0"/>
+              <a:t>.</a:t>
+            </a:r>
+            <a:endParaRPr lang="pt-BR" sz="2000" dirty="0"/>
+          </a:p>
+          <a:p>
+            <a:pPr algn="just"/>
+            <a:endParaRPr lang="pt-BR" sz="2000" dirty="0" smtClean="0"/>
+          </a:p>
+          <a:p>
+            <a:pPr algn="just"/>
+            <a:endParaRPr lang="pt-BR" sz="2000" dirty="0"/>
+          </a:p>
+          <a:p>
+            <a:pPr algn="just"/>
+            <a:endParaRPr lang="pt-BR" sz="2000" dirty="0"/>
+          </a:p>
+        </p:txBody>
+      </p:sp>
+      <p:pic>
+        <p:nvPicPr>
+          <p:cNvPr id="4" name="Imagem 3">
+            <a:hlinkClick r:id="rId2"/>
+          </p:cNvPr>
+          <p:cNvPicPr/>
+          <p:nvPr/>
+        </p:nvPicPr>
+        <p:blipFill>
+          <a:blip r:embed="rId3">
+            <a:extLst>
+              <a:ext uri="{28A0092B-C50C-407E-A947-70E740481C1C}">
+                <a14:useLocalDpi xmlns:a14="http://schemas.microsoft.com/office/drawing/2010/main" val="0"/>
+              </a:ext>
+            </a:extLst>
+          </a:blip>
+          <a:stretch>
+            <a:fillRect/>
+          </a:stretch>
+        </p:blipFill>
+        <p:spPr>
+          <a:xfrm>
+            <a:off x="1796823" y="5169626"/>
+            <a:ext cx="2676525" cy="1447800"/>
+          </a:xfrm>
+          <a:prstGeom prst="rect">
+            <a:avLst/>
+          </a:prstGeom>
+          <a:ln>
+            <a:solidFill>
+              <a:schemeClr val="tx1"/>
+            </a:solidFill>
+          </a:ln>
+        </p:spPr>
+      </p:pic>
+      <p:pic>
+        <p:nvPicPr>
+          <p:cNvPr id="5" name="Imagem 4">
+            <a:hlinkClick r:id="rId4"/>
+          </p:cNvPr>
+          <p:cNvPicPr/>
+          <p:nvPr/>
+        </p:nvPicPr>
+        <p:blipFill>
+          <a:blip r:embed="rId5">
+            <a:extLst>
+              <a:ext uri="{28A0092B-C50C-407E-A947-70E740481C1C}">
+                <a14:useLocalDpi xmlns:a14="http://schemas.microsoft.com/office/drawing/2010/main" val="0"/>
+              </a:ext>
+            </a:extLst>
+          </a:blip>
+          <a:stretch>
+            <a:fillRect/>
+          </a:stretch>
+        </p:blipFill>
+        <p:spPr>
+          <a:xfrm>
+            <a:off x="4987810" y="5112476"/>
+            <a:ext cx="3000375" cy="1562100"/>
+          </a:xfrm>
+          <a:prstGeom prst="rect">
+            <a:avLst/>
+          </a:prstGeom>
+          <a:ln>
+            <a:solidFill>
+              <a:schemeClr val="tx1"/>
+            </a:solidFill>
+          </a:ln>
+        </p:spPr>
+      </p:pic>
+      <p:pic>
+        <p:nvPicPr>
+          <p:cNvPr id="6" name="Imagem 5">
+            <a:hlinkClick r:id="rId4"/>
+          </p:cNvPr>
+          <p:cNvPicPr/>
+          <p:nvPr/>
+        </p:nvPicPr>
+        <p:blipFill>
+          <a:blip r:embed="rId6">
+            <a:extLst>
+              <a:ext uri="{28A0092B-C50C-407E-A947-70E740481C1C}">
+                <a14:useLocalDpi xmlns:a14="http://schemas.microsoft.com/office/drawing/2010/main" val="0"/>
+              </a:ext>
+            </a:extLst>
+          </a:blip>
+          <a:stretch>
+            <a:fillRect/>
+          </a:stretch>
+        </p:blipFill>
+        <p:spPr>
+          <a:xfrm>
+            <a:off x="8435916" y="5274401"/>
+            <a:ext cx="2619375" cy="1238250"/>
+          </a:xfrm>
+          <a:prstGeom prst="rect">
+            <a:avLst/>
+          </a:prstGeom>
+          <a:ln>
+            <a:solidFill>
+              <a:schemeClr val="tx1"/>
+            </a:solidFill>
+          </a:ln>
+        </p:spPr>
+      </p:pic>
     </p:spTree>
     <p:extLst>
       <p:ext uri="{BB962C8B-B14F-4D97-AF65-F5344CB8AC3E}">
@@ -9421,7 +9729,7 @@
 </p:sld>
 </file>
 
-<file path=ppt/slides/slide22.xml><?xml version="1.0" encoding="utf-8"?>
+<file path=ppt/slides/slide23.xml><?xml version="1.0" encoding="utf-8"?>
 <p:sld xmlns:a="http://schemas.openxmlformats.org/drawingml/2006/main" xmlns:r="http://schemas.openxmlformats.org/officeDocument/2006/relationships" xmlns:p="http://schemas.openxmlformats.org/presentationml/2006/main">
   <p:cSld>
     <p:spTree>
@@ -9460,7 +9768,7 @@
           <a:p>
             <a:r>
               <a:rPr lang="pt-BR" dirty="0" smtClean="0"/>
-              <a:t>Referências</a:t>
+              <a:t>Conclusão</a:t>
             </a:r>
             <a:endParaRPr lang="pt-BR" dirty="0"/>
           </a:p>
@@ -9488,6 +9796,179 @@
           </a:bodyPr>
           <a:lstStyle/>
           <a:p>
+            <a:pPr algn="just"/>
+            <a:r>
+              <a:rPr lang="pt-BR" sz="2000" dirty="0" err="1"/>
+              <a:t>Groovy</a:t>
+            </a:r>
+            <a:r>
+              <a:rPr lang="pt-BR" sz="2000" dirty="0"/>
+              <a:t> é uma alternativa extremamente viável para pessoas que desejam utilizar uma linguagem próxima a </a:t>
+            </a:r>
+            <a:r>
+              <a:rPr lang="pt-BR" sz="2000" dirty="0" smtClean="0"/>
+              <a:t>Java.</a:t>
+            </a:r>
+          </a:p>
+          <a:p>
+            <a:pPr algn="just"/>
+            <a:endParaRPr lang="pt-BR" sz="2000" dirty="0"/>
+          </a:p>
+          <a:p>
+            <a:pPr algn="just"/>
+            <a:r>
+              <a:rPr lang="pt-BR" sz="2000" dirty="0" smtClean="0"/>
+              <a:t>Possui </a:t>
+            </a:r>
+            <a:r>
+              <a:rPr lang="pt-BR" sz="2000" dirty="0"/>
+              <a:t>grande potencial para ultrapassar o uso de várias linguagens devido sua versatilidade e ferramentas disponíveis</a:t>
+            </a:r>
+            <a:r>
+              <a:rPr lang="pt-BR" sz="2000" dirty="0" smtClean="0"/>
+              <a:t>.</a:t>
+            </a:r>
+          </a:p>
+          <a:p>
+            <a:pPr algn="just"/>
+            <a:endParaRPr lang="pt-BR" sz="2000" dirty="0"/>
+          </a:p>
+          <a:p>
+            <a:pPr algn="just"/>
+            <a:r>
+              <a:rPr lang="pt-BR" sz="2000" dirty="0" err="1"/>
+              <a:t>Groovy</a:t>
+            </a:r>
+            <a:r>
+              <a:rPr lang="pt-BR" sz="2000" dirty="0"/>
+              <a:t> é mais otimizado, possui sintaxe mais </a:t>
+            </a:r>
+            <a:r>
+              <a:rPr lang="pt-BR" sz="2000" dirty="0" smtClean="0"/>
+              <a:t>simples</a:t>
+            </a:r>
+            <a:r>
+              <a:rPr lang="pt-BR" sz="2000" dirty="0"/>
+              <a:t> </a:t>
+            </a:r>
+            <a:r>
+              <a:rPr lang="pt-BR" sz="2000" dirty="0" smtClean="0"/>
+              <a:t>e possui </a:t>
+            </a:r>
+            <a:r>
+              <a:rPr lang="pt-BR" sz="2000" dirty="0"/>
+              <a:t>integração maior com novos frameworks, como seu irmão </a:t>
+            </a:r>
+            <a:r>
+              <a:rPr lang="pt-BR" sz="2000" dirty="0" err="1"/>
+              <a:t>Grails</a:t>
+            </a:r>
+            <a:r>
+              <a:rPr lang="pt-BR" sz="2000" dirty="0"/>
+              <a:t>.</a:t>
+            </a:r>
+          </a:p>
+          <a:p>
+            <a:pPr algn="just"/>
+            <a:endParaRPr lang="pt-BR" sz="2000" dirty="0" smtClean="0"/>
+          </a:p>
+          <a:p>
+            <a:pPr algn="just"/>
+            <a:endParaRPr lang="pt-BR" sz="2000" dirty="0"/>
+          </a:p>
+          <a:p>
+            <a:pPr algn="just"/>
+            <a:endParaRPr lang="pt-BR" sz="2000" dirty="0"/>
+          </a:p>
+        </p:txBody>
+      </p:sp>
+    </p:spTree>
+    <p:extLst>
+      <p:ext uri="{BB962C8B-B14F-4D97-AF65-F5344CB8AC3E}">
+        <p14:creationId xmlns:p14="http://schemas.microsoft.com/office/powerpoint/2010/main" val="204164597"/>
+      </p:ext>
+    </p:extLst>
+  </p:cSld>
+  <p:clrMapOvr>
+    <a:masterClrMapping/>
+  </p:clrMapOvr>
+  <p:timing>
+    <p:tnLst>
+      <p:par>
+        <p:cTn id="1" dur="indefinite" restart="never" nodeType="tmRoot"/>
+      </p:par>
+    </p:tnLst>
+  </p:timing>
+</p:sld>
+</file>
+
+<file path=ppt/slides/slide24.xml><?xml version="1.0" encoding="utf-8"?>
+<p:sld xmlns:a="http://schemas.openxmlformats.org/drawingml/2006/main" xmlns:r="http://schemas.openxmlformats.org/officeDocument/2006/relationships" xmlns:p="http://schemas.openxmlformats.org/presentationml/2006/main">
+  <p:cSld>
+    <p:spTree>
+      <p:nvGrpSpPr>
+        <p:cNvPr id="1" name=""/>
+        <p:cNvGrpSpPr/>
+        <p:nvPr/>
+      </p:nvGrpSpPr>
+      <p:grpSpPr>
+        <a:xfrm>
+          <a:off x="0" y="0"/>
+          <a:ext cx="0" cy="0"/>
+          <a:chOff x="0" y="0"/>
+          <a:chExt cx="0" cy="0"/>
+        </a:xfrm>
+      </p:grpSpPr>
+      <p:sp>
+        <p:nvSpPr>
+          <p:cNvPr id="2" name="Título 1"/>
+          <p:cNvSpPr>
+            <a:spLocks noGrp="1"/>
+          </p:cNvSpPr>
+          <p:nvPr>
+            <p:ph type="title"/>
+          </p:nvPr>
+        </p:nvSpPr>
+        <p:spPr>
+          <a:xfrm>
+            <a:off x="1484310" y="0"/>
+            <a:ext cx="10018713" cy="1752599"/>
+          </a:xfrm>
+        </p:spPr>
+        <p:txBody>
+          <a:bodyPr/>
+          <a:lstStyle/>
+          <a:p>
+            <a:r>
+              <a:rPr lang="pt-BR" dirty="0" smtClean="0"/>
+              <a:t>Referências</a:t>
+            </a:r>
+            <a:endParaRPr lang="pt-BR" dirty="0"/>
+          </a:p>
+        </p:txBody>
+      </p:sp>
+      <p:sp>
+        <p:nvSpPr>
+          <p:cNvPr id="3" name="Espaço Reservado para Conteúdo 2"/>
+          <p:cNvSpPr>
+            <a:spLocks noGrp="1"/>
+          </p:cNvSpPr>
+          <p:nvPr>
+            <p:ph idx="1"/>
+          </p:nvPr>
+        </p:nvSpPr>
+        <p:spPr>
+          <a:xfrm>
+            <a:off x="1484310" y="1752599"/>
+            <a:ext cx="10018713" cy="5105401"/>
+          </a:xfrm>
+        </p:spPr>
+        <p:txBody>
+          <a:bodyPr>
+            <a:normAutofit fontScale="92500" lnSpcReduction="10000"/>
+          </a:bodyPr>
+          <a:lstStyle/>
+          <a:p>
             <a:r>
               <a:rPr lang="pt-BR" sz="2000" b="1" dirty="0" smtClean="0"/>
               <a:t>[1]</a:t>
@@ -9508,12 +9989,12 @@
           <a:p>
             <a:pPr lvl="1"/>
             <a:r>
-              <a:rPr lang="pt-BR" sz="1400" dirty="0" smtClean="0">
+              <a:rPr lang="pt-BR" sz="1500" dirty="0" smtClean="0">
                 <a:hlinkClick r:id="rId2" action="ppaction://hlinkfile"/>
               </a:rPr>
               <a:t>groovy-lang.org</a:t>
             </a:r>
-            <a:endParaRPr lang="pt-BR" sz="1400" dirty="0" smtClean="0"/>
+            <a:endParaRPr lang="pt-BR" sz="1500" dirty="0" smtClean="0"/>
           </a:p>
           <a:p>
             <a:r>
@@ -9541,48 +10022,48 @@
           <a:p>
             <a:pPr lvl="1"/>
             <a:r>
-              <a:rPr lang="pt-BR" sz="1400" dirty="0">
+              <a:rPr lang="pt-BR" sz="1500" dirty="0">
                 <a:hlinkClick r:id="rId3" action="ppaction://hlinkfile"/>
               </a:rPr>
               <a:t>docs.groovy-lang.org/</a:t>
             </a:r>
             <a:r>
-              <a:rPr lang="pt-BR" sz="1400" dirty="0" err="1">
+              <a:rPr lang="pt-BR" sz="1500" dirty="0" err="1">
                 <a:hlinkClick r:id="rId3" action="ppaction://hlinkfile"/>
               </a:rPr>
               <a:t>docs</a:t>
             </a:r>
             <a:r>
-              <a:rPr lang="pt-BR" sz="1400" dirty="0">
+              <a:rPr lang="pt-BR" sz="1500" dirty="0">
                 <a:hlinkClick r:id="rId3" action="ppaction://hlinkfile"/>
               </a:rPr>
               <a:t>/groovy-2.5.3/</a:t>
             </a:r>
             <a:r>
-              <a:rPr lang="pt-BR" sz="1400" dirty="0" err="1">
+              <a:rPr lang="pt-BR" sz="1500" dirty="0" err="1">
                 <a:hlinkClick r:id="rId3" action="ppaction://hlinkfile"/>
               </a:rPr>
               <a:t>html</a:t>
             </a:r>
             <a:r>
-              <a:rPr lang="pt-BR" sz="1400" dirty="0">
+              <a:rPr lang="pt-BR" sz="1500" dirty="0">
                 <a:hlinkClick r:id="rId3" action="ppaction://hlinkfile"/>
               </a:rPr>
               <a:t>/</a:t>
             </a:r>
             <a:r>
-              <a:rPr lang="pt-BR" sz="1400" dirty="0" err="1">
+              <a:rPr lang="pt-BR" sz="1500" dirty="0" err="1">
                 <a:hlinkClick r:id="rId3" action="ppaction://hlinkfile"/>
               </a:rPr>
               <a:t>documentation</a:t>
             </a:r>
             <a:r>
-              <a:rPr lang="pt-BR" sz="1400" dirty="0">
+              <a:rPr lang="pt-BR" sz="1500" dirty="0">
                 <a:hlinkClick r:id="rId3" action="ppaction://hlinkfile"/>
               </a:rPr>
               <a:t>/</a:t>
             </a:r>
-            <a:endParaRPr lang="pt-BR" sz="1400" dirty="0"/>
+            <a:endParaRPr lang="pt-BR" sz="1500" dirty="0"/>
           </a:p>
           <a:p>
             <a:r>
@@ -9610,30 +10091,30 @@
           <a:p>
             <a:pPr lvl="1"/>
             <a:r>
-              <a:rPr lang="pt-BR" sz="1400" dirty="0" smtClean="0">
+              <a:rPr lang="pt-BR" sz="1500" dirty="0" smtClean="0">
                 <a:hlinkClick r:id="rId4" action="ppaction://hlinkfile"/>
               </a:rPr>
               <a:t>pt.wikipedia.org/</a:t>
             </a:r>
             <a:r>
-              <a:rPr lang="pt-BR" sz="1400" dirty="0" err="1" smtClean="0">
+              <a:rPr lang="pt-BR" sz="1500" dirty="0" err="1" smtClean="0">
                 <a:hlinkClick r:id="rId4" action="ppaction://hlinkfile"/>
               </a:rPr>
               <a:t>wiki</a:t>
             </a:r>
             <a:r>
-              <a:rPr lang="pt-BR" sz="1400" dirty="0" smtClean="0">
+              <a:rPr lang="pt-BR" sz="1500" dirty="0" smtClean="0">
                 <a:hlinkClick r:id="rId4" action="ppaction://hlinkfile"/>
               </a:rPr>
               <a:t>/</a:t>
             </a:r>
             <a:r>
-              <a:rPr lang="pt-BR" sz="1400" dirty="0" err="1" smtClean="0">
+              <a:rPr lang="pt-BR" sz="1500" dirty="0" err="1" smtClean="0">
                 <a:hlinkClick r:id="rId4" action="ppaction://hlinkfile"/>
               </a:rPr>
               <a:t>Groovy</a:t>
             </a:r>
-            <a:endParaRPr lang="pt-BR" sz="1400" dirty="0" smtClean="0"/>
+            <a:endParaRPr lang="pt-BR" sz="1500" dirty="0" smtClean="0"/>
           </a:p>
           <a:p>
             <a:r>
@@ -9661,12 +10142,12 @@
           <a:p>
             <a:pPr lvl="1"/>
             <a:r>
-              <a:rPr lang="pt-BR" sz="1400" dirty="0" smtClean="0">
+              <a:rPr lang="pt-BR" sz="1500" dirty="0" smtClean="0">
                 <a:hlinkClick r:id="rId5" action="ppaction://hlinkfile"/>
               </a:rPr>
               <a:t>devmedia.com.br/artigo-java-magazine-69-um-pouco-de-groovy/12874</a:t>
             </a:r>
-            <a:endParaRPr lang="pt-BR" sz="1600" dirty="0" smtClean="0"/>
+            <a:endParaRPr lang="pt-BR" sz="1500" dirty="0" smtClean="0"/>
           </a:p>
           <a:p>
             <a:r>
@@ -9705,45 +10186,51 @@
               <a:rPr lang="pt-BR" sz="1600" dirty="0" smtClean="0">
                 <a:hlinkClick r:id="rId6" action="ppaction://hlinkfile"/>
               </a:rPr>
-              <a:t>inf.ufes.br/~</a:t>
-            </a:r>
-            <a:r>
-              <a:rPr lang="pt-BR" sz="1600" dirty="0" err="1" smtClean="0">
+              <a:t>i</a:t>
+            </a:r>
+            <a:r>
+              <a:rPr lang="pt-BR" sz="1500" dirty="0" smtClean="0">
+                <a:hlinkClick r:id="rId6" action="ppaction://hlinkfile"/>
+              </a:rPr>
+              <a:t>nf.ufes.br/~</a:t>
+            </a:r>
+            <a:r>
+              <a:rPr lang="pt-BR" sz="1500" dirty="0" err="1" smtClean="0">
                 <a:hlinkClick r:id="rId6" action="ppaction://hlinkfile"/>
               </a:rPr>
               <a:t>vitorsouza</a:t>
             </a:r>
             <a:r>
-              <a:rPr lang="pt-BR" sz="1600" dirty="0" smtClean="0">
+              <a:rPr lang="pt-BR" sz="1500" dirty="0" smtClean="0">
                 <a:hlinkClick r:id="rId6" action="ppaction://hlinkfile"/>
               </a:rPr>
               <a:t>/</a:t>
             </a:r>
             <a:r>
-              <a:rPr lang="pt-BR" sz="1600" dirty="0" err="1" smtClean="0">
+              <a:rPr lang="pt-BR" sz="1500" dirty="0" err="1" smtClean="0">
                 <a:hlinkClick r:id="rId6" action="ppaction://hlinkfile"/>
               </a:rPr>
               <a:t>archive</a:t>
             </a:r>
             <a:r>
-              <a:rPr lang="pt-BR" sz="1600" dirty="0" smtClean="0">
+              <a:rPr lang="pt-BR" sz="1500" dirty="0" smtClean="0">
                 <a:hlinkClick r:id="rId6" action="ppaction://hlinkfile"/>
               </a:rPr>
               <a:t>/2020/</a:t>
             </a:r>
             <a:r>
-              <a:rPr lang="pt-BR" sz="1600" dirty="0" err="1" smtClean="0">
+              <a:rPr lang="pt-BR" sz="1500" dirty="0" err="1" smtClean="0">
                 <a:hlinkClick r:id="rId6" action="ppaction://hlinkfile"/>
               </a:rPr>
               <a:t>wp-content</a:t>
             </a:r>
             <a:r>
-              <a:rPr lang="pt-BR" sz="1600" dirty="0" smtClean="0">
+              <a:rPr lang="pt-BR" sz="1500" dirty="0" smtClean="0">
                 <a:hlinkClick r:id="rId6" action="ppaction://hlinkfile"/>
               </a:rPr>
               <a:t>/uploads/teaching-lp-20182-seminario-groovy.pdf</a:t>
             </a:r>
-            <a:endParaRPr lang="pt-BR" sz="1600" dirty="0" smtClean="0"/>
+            <a:endParaRPr lang="pt-BR" sz="1500" dirty="0" smtClean="0"/>
           </a:p>
           <a:p>
             <a:r>
@@ -9767,24 +10254,69 @@
           <a:p>
             <a:pPr lvl="1"/>
             <a:r>
-              <a:rPr lang="pt-BR" sz="1200" dirty="0" smtClean="0">
+              <a:rPr lang="pt-BR" sz="1500" dirty="0" smtClean="0">
                 <a:hlinkClick r:id="rId7" action="ppaction://hlinkfile"/>
               </a:rPr>
               <a:t>youtube.com/</a:t>
             </a:r>
             <a:r>
-              <a:rPr lang="pt-BR" sz="1200" dirty="0" err="1" smtClean="0">
+              <a:rPr lang="pt-BR" sz="1500" dirty="0" err="1" smtClean="0">
                 <a:hlinkClick r:id="rId7" action="ppaction://hlinkfile"/>
               </a:rPr>
               <a:t>watch?v</a:t>
             </a:r>
             <a:r>
-              <a:rPr lang="pt-BR" sz="1200" dirty="0" smtClean="0">
+              <a:rPr lang="pt-BR" sz="1500" dirty="0" smtClean="0">
                 <a:hlinkClick r:id="rId7" action="ppaction://hlinkfile"/>
               </a:rPr>
               <a:t>=vDtENU-3Lwo</a:t>
             </a:r>
-            <a:endParaRPr lang="pt-BR" sz="1200" dirty="0" smtClean="0"/>
+            <a:endParaRPr lang="pt-BR" sz="1500" dirty="0" smtClean="0"/>
+          </a:p>
+          <a:p>
+            <a:r>
+              <a:rPr lang="pt-BR" sz="2000" b="1" dirty="0" smtClean="0"/>
+              <a:t>[7]</a:t>
+            </a:r>
+            <a:r>
+              <a:rPr lang="pt-BR" sz="2000" dirty="0" smtClean="0"/>
+              <a:t> </a:t>
+            </a:r>
+            <a:r>
+              <a:rPr lang="pt-BR" sz="2000" dirty="0" err="1" smtClean="0"/>
+              <a:t>HostGator</a:t>
+            </a:r>
+            <a:r>
+              <a:rPr lang="pt-BR" sz="2000" dirty="0" smtClean="0"/>
+              <a:t>: O que e </a:t>
+            </a:r>
+            <a:r>
+              <a:rPr lang="pt-BR" sz="2000" dirty="0" err="1" smtClean="0"/>
+              <a:t>groovy</a:t>
+            </a:r>
+            <a:endParaRPr lang="pt-BR" sz="2000" dirty="0" smtClean="0"/>
+          </a:p>
+          <a:p>
+            <a:pPr lvl="1"/>
+            <a:r>
+              <a:rPr lang="pt-BR" sz="1500" dirty="0" smtClean="0">
+                <a:hlinkClick r:id="rId8"/>
+              </a:rPr>
+              <a:t>hostgator.com.br/blog/o-que-e-</a:t>
+            </a:r>
+            <a:r>
+              <a:rPr lang="pt-BR" sz="1500" dirty="0" err="1" smtClean="0">
+                <a:hlinkClick r:id="rId8"/>
+              </a:rPr>
+              <a:t>groovy</a:t>
+            </a:r>
+            <a:r>
+              <a:rPr lang="pt-BR" sz="1500" dirty="0">
+                <a:hlinkClick r:id="rId8"/>
+              </a:rPr>
+              <a:t>/</a:t>
+            </a:r>
+            <a:endParaRPr lang="pt-BR" sz="1500" dirty="0" smtClean="0"/>
           </a:p>
           <a:p>
             <a:pPr marL="914400" lvl="2" indent="0">
@@ -9843,6 +10375,200 @@
         </p:nvSpPr>
         <p:spPr>
           <a:xfrm>
+            <a:off x="1484310" y="0"/>
+            <a:ext cx="10018713" cy="1752599"/>
+          </a:xfrm>
+        </p:spPr>
+        <p:txBody>
+          <a:bodyPr/>
+          <a:lstStyle/>
+          <a:p>
+            <a:r>
+              <a:rPr lang="pt-BR" dirty="0" smtClean="0"/>
+              <a:t>Introdução: </a:t>
+            </a:r>
+            <a:r>
+              <a:rPr lang="pt-BR" dirty="0" err="1" smtClean="0"/>
+              <a:t>Utilizacao</a:t>
+            </a:r>
+            <a:endParaRPr lang="pt-BR" dirty="0"/>
+          </a:p>
+        </p:txBody>
+      </p:sp>
+      <p:sp>
+        <p:nvSpPr>
+          <p:cNvPr id="3" name="Espaço Reservado para Conteúdo 2"/>
+          <p:cNvSpPr>
+            <a:spLocks noGrp="1"/>
+          </p:cNvSpPr>
+          <p:nvPr>
+            <p:ph idx="1"/>
+          </p:nvPr>
+        </p:nvSpPr>
+        <p:spPr>
+          <a:xfrm>
+            <a:off x="1475601" y="1770017"/>
+            <a:ext cx="10018713" cy="5105401"/>
+          </a:xfrm>
+        </p:spPr>
+        <p:txBody>
+          <a:bodyPr>
+            <a:normAutofit/>
+          </a:bodyPr>
+          <a:lstStyle/>
+          <a:p>
+            <a:pPr algn="just"/>
+            <a:r>
+              <a:rPr lang="pt-BR" sz="2000" dirty="0"/>
+              <a:t>Desenvolvimento </a:t>
+            </a:r>
+            <a:r>
+              <a:rPr lang="pt-BR" sz="2000" dirty="0" smtClean="0"/>
+              <a:t>web</a:t>
+            </a:r>
+          </a:p>
+          <a:p>
+            <a:pPr lvl="1" algn="just"/>
+            <a:r>
+              <a:rPr lang="pt-BR" sz="1400" dirty="0"/>
+              <a:t>Por ser uma linguagem ágil e dinâmica, o </a:t>
+            </a:r>
+            <a:r>
+              <a:rPr lang="pt-BR" sz="1400" dirty="0" err="1"/>
+              <a:t>Groovy</a:t>
+            </a:r>
+            <a:r>
+              <a:rPr lang="pt-BR" sz="1400" dirty="0"/>
+              <a:t> pode ser usado em outros frameworks além do </a:t>
+            </a:r>
+            <a:r>
+              <a:rPr lang="pt-BR" sz="1400" dirty="0" err="1"/>
+              <a:t>Grails</a:t>
+            </a:r>
+            <a:r>
+              <a:rPr lang="pt-BR" sz="1400" dirty="0"/>
+              <a:t>, como </a:t>
+            </a:r>
+            <a:r>
+              <a:rPr lang="pt-BR" sz="1400" dirty="0" err="1"/>
+              <a:t>Micronaut</a:t>
+            </a:r>
+            <a:r>
+              <a:rPr lang="pt-BR" sz="1400" dirty="0"/>
+              <a:t>, Spring Boot, </a:t>
+            </a:r>
+            <a:r>
+              <a:rPr lang="pt-BR" sz="1400" dirty="0" err="1"/>
+              <a:t>Ratpack</a:t>
+            </a:r>
+            <a:r>
+              <a:rPr lang="pt-BR" sz="1400" dirty="0"/>
+              <a:t> e outros.</a:t>
+            </a:r>
+            <a:endParaRPr lang="pt-BR" sz="1600" dirty="0" smtClean="0"/>
+          </a:p>
+          <a:p>
+            <a:pPr algn="just"/>
+            <a:r>
+              <a:rPr lang="pt-BR" sz="2000" dirty="0" smtClean="0"/>
+              <a:t>Linguagem embarcada</a:t>
+            </a:r>
+          </a:p>
+          <a:p>
+            <a:pPr lvl="1" algn="just"/>
+            <a:r>
+              <a:rPr lang="pt-BR" sz="1400" dirty="0"/>
+              <a:t>O </a:t>
+            </a:r>
+            <a:r>
+              <a:rPr lang="pt-BR" sz="1400" dirty="0" err="1"/>
+              <a:t>Groovy</a:t>
+            </a:r>
+            <a:r>
+              <a:rPr lang="pt-BR" sz="1400" dirty="0"/>
+              <a:t> pode ser utilizado de forma complementar ao Java por meio da construção de plataformas estendidas em tempo de execução pelos usuários com a inclusão, a edição e a remoção de scripts. </a:t>
+            </a:r>
+            <a:endParaRPr lang="pt-BR" sz="1600" dirty="0" smtClean="0"/>
+          </a:p>
+          <a:p>
+            <a:pPr algn="just"/>
+            <a:r>
+              <a:rPr lang="pt-BR" sz="2000" dirty="0"/>
+              <a:t>Ferramenta de </a:t>
+            </a:r>
+            <a:r>
+              <a:rPr lang="pt-BR" sz="2000" dirty="0" smtClean="0"/>
+              <a:t>automatização</a:t>
+            </a:r>
+          </a:p>
+          <a:p>
+            <a:pPr lvl="1" algn="just"/>
+            <a:r>
+              <a:rPr lang="pt-BR" sz="1400" dirty="0"/>
+              <a:t>O código </a:t>
+            </a:r>
+            <a:r>
+              <a:rPr lang="pt-BR" sz="1400" dirty="0" err="1"/>
+              <a:t>Groovy</a:t>
+            </a:r>
+            <a:r>
+              <a:rPr lang="pt-BR" sz="1400" dirty="0"/>
+              <a:t> pode ser executado na forma de scripts – e isso abre caminho para a automatização, como agendamento de tarefas de manutenção, raspagem de dados, implementação de </a:t>
+            </a:r>
+            <a:r>
+              <a:rPr lang="pt-BR" sz="1400" dirty="0" err="1"/>
+              <a:t>crawlers</a:t>
+            </a:r>
+            <a:r>
+              <a:rPr lang="pt-BR" sz="1400" dirty="0"/>
+              <a:t> e muito mais.  </a:t>
+            </a:r>
+            <a:endParaRPr lang="pt-BR" sz="1600" dirty="0" smtClean="0"/>
+          </a:p>
+        </p:txBody>
+      </p:sp>
+    </p:spTree>
+    <p:extLst>
+      <p:ext uri="{BB962C8B-B14F-4D97-AF65-F5344CB8AC3E}">
+        <p14:creationId xmlns:p14="http://schemas.microsoft.com/office/powerpoint/2010/main" val="941441393"/>
+      </p:ext>
+    </p:extLst>
+  </p:cSld>
+  <p:clrMapOvr>
+    <a:masterClrMapping/>
+  </p:clrMapOvr>
+</p:sld>
+</file>
+
+<file path=ppt/slides/slide4.xml><?xml version="1.0" encoding="utf-8"?>
+<p:sld xmlns:a="http://schemas.openxmlformats.org/drawingml/2006/main" xmlns:r="http://schemas.openxmlformats.org/officeDocument/2006/relationships" xmlns:p="http://schemas.openxmlformats.org/presentationml/2006/main">
+  <p:cSld>
+    <p:spTree>
+      <p:nvGrpSpPr>
+        <p:cNvPr id="1" name=""/>
+        <p:cNvGrpSpPr/>
+        <p:nvPr/>
+      </p:nvGrpSpPr>
+      <p:grpSpPr>
+        <a:xfrm>
+          <a:off x="0" y="0"/>
+          <a:ext cx="0" cy="0"/>
+          <a:chOff x="0" y="0"/>
+          <a:chExt cx="0" cy="0"/>
+        </a:xfrm>
+      </p:grpSpPr>
+      <p:sp>
+        <p:nvSpPr>
+          <p:cNvPr id="2" name="Título 1"/>
+          <p:cNvSpPr>
+            <a:spLocks noGrp="1"/>
+          </p:cNvSpPr>
+          <p:nvPr>
+            <p:ph type="title"/>
+          </p:nvPr>
+        </p:nvSpPr>
+        <p:spPr>
+          <a:xfrm>
             <a:off x="1484310" y="8709"/>
             <a:ext cx="10018713" cy="1752599"/>
           </a:xfrm>
@@ -9884,11 +10610,7 @@
             <a:pPr algn="just"/>
             <a:r>
               <a:rPr lang="pt-BR" sz="2000" dirty="0" smtClean="0"/>
-              <a:t>A linguagem foi idealizada como uma alternativa à seu parente mais popular (Java</a:t>
-            </a:r>
-            <a:r>
-              <a:rPr lang="pt-BR" sz="2000" dirty="0" smtClean="0"/>
-              <a:t>).</a:t>
+              <a:t>A linguagem foi idealizada como uma alternativa à seu parente mais popular (Java).</a:t>
             </a:r>
           </a:p>
           <a:p>
@@ -9939,13 +10661,8 @@
             </a:r>
             <a:r>
               <a:rPr lang="pt-BR" sz="2000" dirty="0" smtClean="0"/>
-              <a:t>, ficou em segundo lugar na mesma </a:t>
-            </a:r>
-            <a:r>
-              <a:rPr lang="pt-BR" sz="2000" dirty="0" smtClean="0"/>
-              <a:t>premiação.</a:t>
-            </a:r>
-            <a:endParaRPr lang="pt-BR" sz="2000" dirty="0" smtClean="0"/>
+              <a:t>, ficou em segundo lugar na mesma premiação.</a:t>
+            </a:r>
           </a:p>
           <a:p>
             <a:pPr algn="just"/>
@@ -9979,13 +10696,8 @@
             </a:r>
             <a:r>
               <a:rPr lang="pt-BR" sz="2000" dirty="0" smtClean="0"/>
-              <a:t> no final do mesmo </a:t>
-            </a:r>
-            <a:r>
-              <a:rPr lang="pt-BR" sz="2000" dirty="0" smtClean="0"/>
-              <a:t>ano.</a:t>
-            </a:r>
-            <a:endParaRPr lang="pt-BR" sz="2000" dirty="0" smtClean="0"/>
+              <a:t> no final do mesmo ano.</a:t>
+            </a:r>
           </a:p>
           <a:p>
             <a:pPr algn="just"/>
@@ -10017,7 +10729,7 @@
 </p:sld>
 </file>
 
-<file path=ppt/slides/slide4.xml><?xml version="1.0" encoding="utf-8"?>
+<file path=ppt/slides/slide5.xml><?xml version="1.0" encoding="utf-8"?>
 <p:sld xmlns:a="http://schemas.openxmlformats.org/drawingml/2006/main" xmlns:r="http://schemas.openxmlformats.org/officeDocument/2006/relationships" xmlns:p="http://schemas.openxmlformats.org/presentationml/2006/main">
   <p:cSld>
     <p:spTree>
@@ -10135,13 +10847,8 @@
             </a:r>
             <a:r>
               <a:rPr lang="pt-BR" sz="2000" dirty="0" smtClean="0"/>
-              <a:t>na </a:t>
-            </a:r>
-            <a:r>
-              <a:rPr lang="pt-BR" sz="2000" dirty="0" smtClean="0"/>
-              <a:t>linguagem.</a:t>
-            </a:r>
-            <a:endParaRPr lang="pt-BR" sz="2000" dirty="0" smtClean="0"/>
+              <a:t>na linguagem.</a:t>
+            </a:r>
           </a:p>
           <a:p>
             <a:pPr algn="just"/>
@@ -10189,7 +10896,6 @@
               <a:rPr lang="pt-BR" sz="2000" dirty="0" smtClean="0"/>
               <a:t>.</a:t>
             </a:r>
-            <a:endParaRPr lang="pt-BR" sz="2000" dirty="0" smtClean="0"/>
           </a:p>
           <a:p>
             <a:pPr algn="just"/>
@@ -10227,7 +10933,7 @@
 </p:sld>
 </file>
 
-<file path=ppt/slides/slide5.xml><?xml version="1.0" encoding="utf-8"?>
+<file path=ppt/slides/slide6.xml><?xml version="1.0" encoding="utf-8"?>
 <p:sld xmlns:a="http://schemas.openxmlformats.org/drawingml/2006/main" xmlns:r="http://schemas.openxmlformats.org/officeDocument/2006/relationships" xmlns:p="http://schemas.openxmlformats.org/presentationml/2006/main">
   <p:cSld>
     <p:spTree>
@@ -10494,189 +11200,6 @@
 </p:sld>
 </file>
 
-<file path=ppt/slides/slide6.xml><?xml version="1.0" encoding="utf-8"?>
-<p:sld xmlns:a="http://schemas.openxmlformats.org/drawingml/2006/main" xmlns:r="http://schemas.openxmlformats.org/officeDocument/2006/relationships" xmlns:p="http://schemas.openxmlformats.org/presentationml/2006/main">
-  <p:cSld>
-    <p:spTree>
-      <p:nvGrpSpPr>
-        <p:cNvPr id="1" name=""/>
-        <p:cNvGrpSpPr/>
-        <p:nvPr/>
-      </p:nvGrpSpPr>
-      <p:grpSpPr>
-        <a:xfrm>
-          <a:off x="0" y="0"/>
-          <a:ext cx="0" cy="0"/>
-          <a:chOff x="0" y="0"/>
-          <a:chExt cx="0" cy="0"/>
-        </a:xfrm>
-      </p:grpSpPr>
-      <p:sp>
-        <p:nvSpPr>
-          <p:cNvPr id="2" name="Título 1"/>
-          <p:cNvSpPr>
-            <a:spLocks noGrp="1"/>
-          </p:cNvSpPr>
-          <p:nvPr>
-            <p:ph type="title"/>
-          </p:nvPr>
-        </p:nvSpPr>
-        <p:spPr>
-          <a:xfrm>
-            <a:off x="1484310" y="0"/>
-            <a:ext cx="10018713" cy="1752599"/>
-          </a:xfrm>
-        </p:spPr>
-        <p:txBody>
-          <a:bodyPr/>
-          <a:lstStyle/>
-          <a:p>
-            <a:r>
-              <a:rPr lang="pt-BR" dirty="0" smtClean="0"/>
-              <a:t>Características da linguagem</a:t>
-            </a:r>
-            <a:endParaRPr lang="pt-BR" dirty="0"/>
-          </a:p>
-        </p:txBody>
-      </p:sp>
-      <p:sp>
-        <p:nvSpPr>
-          <p:cNvPr id="3" name="Espaço Reservado para Conteúdo 2"/>
-          <p:cNvSpPr>
-            <a:spLocks noGrp="1"/>
-          </p:cNvSpPr>
-          <p:nvPr>
-            <p:ph idx="1"/>
-          </p:nvPr>
-        </p:nvSpPr>
-        <p:spPr>
-          <a:xfrm>
-            <a:off x="1484310" y="1752598"/>
-            <a:ext cx="10018713" cy="5105401"/>
-          </a:xfrm>
-        </p:spPr>
-        <p:txBody>
-          <a:bodyPr>
-            <a:normAutofit/>
-          </a:bodyPr>
-          <a:lstStyle/>
-          <a:p>
-            <a:pPr algn="just"/>
-            <a:r>
-              <a:rPr lang="pt-BR" sz="2000" dirty="0" smtClean="0"/>
-              <a:t>Orientada a </a:t>
-            </a:r>
-            <a:r>
-              <a:rPr lang="pt-BR" sz="2000" dirty="0" smtClean="0"/>
-              <a:t>objetos.</a:t>
-            </a:r>
-          </a:p>
-          <a:p>
-            <a:pPr algn="just"/>
-            <a:endParaRPr lang="pt-BR" sz="1600" dirty="0" smtClean="0"/>
-          </a:p>
-          <a:p>
-            <a:pPr algn="just"/>
-            <a:r>
-              <a:rPr lang="pt-BR" sz="2000" dirty="0" smtClean="0"/>
-              <a:t>Mutualmente estática e dinâmica, além de fortemente </a:t>
-            </a:r>
-            <a:r>
-              <a:rPr lang="pt-BR" sz="2000" dirty="0" err="1" smtClean="0"/>
-              <a:t>tipada</a:t>
-            </a:r>
-            <a:endParaRPr lang="pt-BR" sz="2000" dirty="0" smtClean="0"/>
-          </a:p>
-          <a:p>
-            <a:pPr algn="just"/>
-            <a:endParaRPr lang="pt-BR" sz="2000" dirty="0"/>
-          </a:p>
-          <a:p>
-            <a:pPr algn="just"/>
-            <a:r>
-              <a:rPr lang="pt-BR" sz="2000" dirty="0" err="1" smtClean="0"/>
-              <a:t>Closures</a:t>
-            </a:r>
-            <a:r>
-              <a:rPr lang="pt-BR" sz="2000" dirty="0" smtClean="0"/>
-              <a:t> </a:t>
-            </a:r>
-            <a:r>
-              <a:rPr lang="pt-BR" sz="2000" dirty="0" smtClean="0"/>
-              <a:t>e </a:t>
-            </a:r>
-            <a:r>
-              <a:rPr lang="pt-BR" sz="2000" dirty="0" err="1" smtClean="0"/>
-              <a:t>Traits</a:t>
-            </a:r>
-            <a:endParaRPr lang="pt-BR" sz="2000" dirty="0"/>
-          </a:p>
-          <a:p>
-            <a:pPr algn="just"/>
-            <a:endParaRPr lang="pt-BR" sz="2000" dirty="0" smtClean="0"/>
-          </a:p>
-          <a:p>
-            <a:pPr algn="just"/>
-            <a:r>
-              <a:rPr lang="pt-BR" sz="2000" dirty="0" smtClean="0"/>
-              <a:t>Sintaxe </a:t>
-            </a:r>
-            <a:r>
-              <a:rPr lang="pt-BR" sz="2000" dirty="0"/>
-              <a:t>nativa para listas, </a:t>
-            </a:r>
-            <a:r>
-              <a:rPr lang="pt-BR" sz="2000" dirty="0" err="1"/>
-              <a:t>arrays</a:t>
-            </a:r>
-            <a:r>
-              <a:rPr lang="pt-BR" sz="2000" dirty="0"/>
-              <a:t> associativos, vetores, e expressões </a:t>
-            </a:r>
-            <a:r>
-              <a:rPr lang="pt-BR" sz="2000" dirty="0" smtClean="0"/>
-              <a:t>regulares.</a:t>
-            </a:r>
-            <a:endParaRPr lang="pt-BR" sz="2000" dirty="0" smtClean="0"/>
-          </a:p>
-          <a:p>
-            <a:pPr algn="just"/>
-            <a:endParaRPr lang="pt-BR" sz="2000" dirty="0" smtClean="0"/>
-          </a:p>
-          <a:p>
-            <a:pPr algn="just"/>
-            <a:endParaRPr lang="pt-BR" sz="2000" dirty="0"/>
-          </a:p>
-          <a:p>
-            <a:pPr algn="just"/>
-            <a:endParaRPr lang="pt-BR" sz="1600" dirty="0" smtClean="0"/>
-          </a:p>
-          <a:p>
-            <a:pPr algn="just"/>
-            <a:endParaRPr lang="pt-BR" sz="1600" dirty="0" smtClean="0"/>
-          </a:p>
-        </p:txBody>
-      </p:sp>
-    </p:spTree>
-    <p:extLst>
-      <p:ext uri="{BB962C8B-B14F-4D97-AF65-F5344CB8AC3E}">
-        <p14:creationId xmlns:p14="http://schemas.microsoft.com/office/powerpoint/2010/main" val="2988343360"/>
-      </p:ext>
-    </p:extLst>
-  </p:cSld>
-  <p:clrMapOvr>
-    <a:masterClrMapping/>
-  </p:clrMapOvr>
-  <p:timing>
-    <p:tnLst>
-      <p:par>
-        <p:cTn id="1" dur="indefinite" restart="never" nodeType="tmRoot"/>
-      </p:par>
-    </p:tnLst>
-  </p:timing>
-</p:sld>
-</file>
-
 <file path=ppt/slides/slide7.xml><?xml version="1.0" encoding="utf-8"?>
 <p:sld xmlns:a="http://schemas.openxmlformats.org/drawingml/2006/main" xmlns:r="http://schemas.openxmlformats.org/officeDocument/2006/relationships" xmlns:p="http://schemas.openxmlformats.org/presentationml/2006/main">
   <p:cSld>
@@ -10734,7 +11257,7 @@
         </p:nvSpPr>
         <p:spPr>
           <a:xfrm>
-            <a:off x="1484310" y="1752599"/>
+            <a:off x="1484310" y="1752598"/>
             <a:ext cx="10018713" cy="5105401"/>
           </a:xfrm>
         </p:spPr>
@@ -10747,133 +11270,94 @@
             <a:pPr algn="just"/>
             <a:r>
               <a:rPr lang="pt-BR" sz="2000" dirty="0" smtClean="0"/>
-              <a:t>Escopo </a:t>
-            </a:r>
-            <a:r>
-              <a:rPr lang="pt-BR" sz="2000" dirty="0" smtClean="0"/>
-              <a:t>dinâmico</a:t>
-            </a:r>
-            <a:r>
-              <a:rPr lang="pt-BR" sz="2000" dirty="0"/>
-              <a:t>.</a:t>
+              <a:t>Orientada a objetos.</a:t>
+            </a:r>
+          </a:p>
+          <a:p>
+            <a:pPr algn="just"/>
+            <a:endParaRPr lang="pt-BR" sz="1600" dirty="0" smtClean="0"/>
+          </a:p>
+          <a:p>
+            <a:pPr algn="just"/>
+            <a:r>
+              <a:rPr lang="pt-BR" sz="2000" dirty="0" smtClean="0"/>
+              <a:t>Mutualmente estática e dinâmica, além de fortemente </a:t>
+            </a:r>
+            <a:r>
+              <a:rPr lang="pt-BR" sz="2000" dirty="0" err="1" smtClean="0"/>
+              <a:t>tipada</a:t>
             </a:r>
             <a:endParaRPr lang="pt-BR" sz="2000" dirty="0" smtClean="0"/>
-          </a:p>
-          <a:p>
-            <a:pPr algn="just"/>
-            <a:r>
-              <a:rPr lang="pt-BR" sz="2000" dirty="0"/>
-              <a:t>Sobrecarga de </a:t>
-            </a:r>
-            <a:r>
-              <a:rPr lang="pt-BR" sz="2000" dirty="0" smtClean="0"/>
-              <a:t>operadores</a:t>
-            </a:r>
-            <a:r>
-              <a:rPr lang="pt-BR" sz="2000" dirty="0"/>
-              <a:t>.</a:t>
-            </a:r>
-            <a:endParaRPr lang="pt-BR" sz="2000" dirty="0"/>
-          </a:p>
-          <a:p>
-            <a:pPr algn="just"/>
-            <a:r>
-              <a:rPr lang="pt-BR" sz="2000" dirty="0"/>
-              <a:t>Possui características em comum com Java, já que é inspirada </a:t>
-            </a:r>
-            <a:r>
-              <a:rPr lang="pt-BR" sz="2000" dirty="0" smtClean="0"/>
-              <a:t>nela.</a:t>
-            </a:r>
-          </a:p>
-          <a:p>
-            <a:pPr algn="just"/>
-            <a:r>
-              <a:rPr lang="pt-BR" sz="2000" dirty="0" smtClean="0"/>
-              <a:t>Compatibilidade</a:t>
-            </a:r>
-            <a:r>
-              <a:rPr lang="pt-BR" sz="2000" dirty="0"/>
-              <a:t>:</a:t>
-            </a:r>
-          </a:p>
-          <a:p>
-            <a:pPr lvl="1" algn="just"/>
-            <a:r>
-              <a:rPr lang="pt-BR" sz="1400" dirty="0"/>
-              <a:t>O aprendizado é simplificado devido a menor quantidade de dependências que, inevitavelmente, surgem durante o desenvolvimento Java. Portanto, alguém que queira aprender a programação em </a:t>
-            </a:r>
-            <a:r>
-              <a:rPr lang="pt-BR" sz="1400" dirty="0" err="1"/>
-              <a:t>Groovy</a:t>
-            </a:r>
-            <a:r>
-              <a:rPr lang="pt-BR" sz="1400" dirty="0"/>
-              <a:t> pode começar com o básico do Java e seguir para níveis mais avançados com menos dificuldade</a:t>
-            </a:r>
-            <a:r>
-              <a:rPr lang="pt-BR" sz="1400" dirty="0" smtClean="0"/>
-              <a:t>.</a:t>
-            </a:r>
-            <a:endParaRPr lang="pt-BR" sz="2000" dirty="0"/>
-          </a:p>
-          <a:p>
-            <a:pPr algn="just"/>
-            <a:r>
-              <a:rPr lang="pt-BR" sz="2000" dirty="0" smtClean="0"/>
-              <a:t>GDK:</a:t>
-            </a:r>
-          </a:p>
-          <a:p>
-            <a:pPr lvl="1" algn="just"/>
-            <a:r>
-              <a:rPr lang="pt-BR" sz="1400" dirty="0"/>
-              <a:t>Assim como o Java possui a JDK, o </a:t>
-            </a:r>
-            <a:r>
-              <a:rPr lang="pt-BR" sz="1400" dirty="0" err="1"/>
-              <a:t>Groovy</a:t>
-            </a:r>
-            <a:r>
-              <a:rPr lang="pt-BR" sz="1400" dirty="0"/>
-              <a:t> possui a GDK. É fácil confundir-se quando pensamos nisso pois todo objeto Java pode ser usado dentro do </a:t>
-            </a:r>
-            <a:r>
-              <a:rPr lang="pt-BR" sz="1400" dirty="0" err="1"/>
-              <a:t>Groovy</a:t>
-            </a:r>
-            <a:r>
-              <a:rPr lang="pt-BR" sz="1400" dirty="0"/>
-              <a:t>, mas o contrario não é verdade. A GDK estende a JDK adicionando métodos que não existem originalmente nos objetos Java</a:t>
-            </a:r>
-            <a:r>
-              <a:rPr lang="pt-BR" sz="1400" dirty="0" smtClean="0"/>
-              <a:t>.</a:t>
-            </a:r>
-            <a:endParaRPr lang="pt-BR" sz="2000" dirty="0"/>
-          </a:p>
-          <a:p>
-            <a:pPr marL="457200" lvl="1" indent="0" algn="just">
-              <a:buNone/>
-            </a:pPr>
-            <a:endParaRPr lang="pt-BR" sz="1600" dirty="0" smtClean="0"/>
-          </a:p>
-          <a:p>
-            <a:pPr marL="0" indent="0" algn="just">
-              <a:buNone/>
-            </a:pPr>
-            <a:endParaRPr lang="pt-BR" sz="2000" dirty="0"/>
           </a:p>
           <a:p>
             <a:pPr algn="just"/>
             <a:endParaRPr lang="pt-BR" sz="2000" dirty="0"/>
+          </a:p>
+          <a:p>
+            <a:pPr algn="just"/>
+            <a:r>
+              <a:rPr lang="pt-BR" sz="2000" dirty="0" err="1" smtClean="0"/>
+              <a:t>Closures</a:t>
+            </a:r>
+            <a:r>
+              <a:rPr lang="pt-BR" sz="2000" dirty="0" smtClean="0"/>
+              <a:t> e </a:t>
+            </a:r>
+            <a:r>
+              <a:rPr lang="pt-BR" sz="2000" dirty="0" err="1" smtClean="0"/>
+              <a:t>Traits</a:t>
+            </a:r>
+            <a:endParaRPr lang="pt-BR" sz="2000" dirty="0"/>
+          </a:p>
+          <a:p>
+            <a:pPr algn="just"/>
+            <a:endParaRPr lang="pt-BR" sz="2000" dirty="0" smtClean="0"/>
+          </a:p>
+          <a:p>
+            <a:pPr algn="just"/>
+            <a:r>
+              <a:rPr lang="pt-BR" sz="2000" dirty="0" smtClean="0"/>
+              <a:t>Sintaxe </a:t>
+            </a:r>
+            <a:r>
+              <a:rPr lang="pt-BR" sz="2000" dirty="0"/>
+              <a:t>nativa para listas, </a:t>
+            </a:r>
+            <a:r>
+              <a:rPr lang="pt-BR" sz="2000" dirty="0" err="1"/>
+              <a:t>arrays</a:t>
+            </a:r>
+            <a:r>
+              <a:rPr lang="pt-BR" sz="2000" dirty="0"/>
+              <a:t> associativos, vetores, e expressões </a:t>
+            </a:r>
+            <a:r>
+              <a:rPr lang="pt-BR" sz="2000" dirty="0" smtClean="0"/>
+              <a:t>regulares.</a:t>
+            </a:r>
+          </a:p>
+          <a:p>
+            <a:pPr algn="just"/>
+            <a:endParaRPr lang="pt-BR" sz="2000" dirty="0" smtClean="0"/>
+          </a:p>
+          <a:p>
+            <a:pPr algn="just"/>
+            <a:endParaRPr lang="pt-BR" sz="2000" dirty="0"/>
+          </a:p>
+          <a:p>
+            <a:pPr algn="just"/>
+            <a:endParaRPr lang="pt-BR" sz="1600" dirty="0" smtClean="0"/>
+          </a:p>
+          <a:p>
+            <a:pPr algn="just"/>
+            <a:endParaRPr lang="pt-BR" sz="1600" dirty="0" smtClean="0"/>
           </a:p>
         </p:txBody>
       </p:sp>
     </p:spTree>
     <p:extLst>
       <p:ext uri="{BB962C8B-B14F-4D97-AF65-F5344CB8AC3E}">
-        <p14:creationId xmlns:p14="http://schemas.microsoft.com/office/powerpoint/2010/main" val="4257500236"/>
+        <p14:creationId xmlns:p14="http://schemas.microsoft.com/office/powerpoint/2010/main" val="2988343360"/>
       </p:ext>
     </p:extLst>
   </p:cSld>
@@ -10919,7 +11403,7 @@
         </p:nvSpPr>
         <p:spPr>
           <a:xfrm>
-            <a:off x="1484309" y="0"/>
+            <a:off x="1484310" y="0"/>
             <a:ext cx="10018713" cy="1752599"/>
           </a:xfrm>
         </p:spPr>
@@ -10929,7 +11413,7 @@
           <a:p>
             <a:r>
               <a:rPr lang="pt-BR" dirty="0" smtClean="0"/>
-              <a:t>Particularidades</a:t>
+              <a:t>Características da linguagem</a:t>
             </a:r>
             <a:endParaRPr lang="pt-BR" dirty="0"/>
           </a:p>
@@ -10947,8 +11431,8 @@
         </p:nvSpPr>
         <p:spPr>
           <a:xfrm>
-            <a:off x="1484310" y="1689463"/>
-            <a:ext cx="10018713" cy="5168537"/>
+            <a:off x="1484310" y="1752599"/>
+            <a:ext cx="10018713" cy="5105401"/>
           </a:xfrm>
         </p:spPr>
         <p:txBody>
@@ -10960,59 +11444,7 @@
             <a:pPr algn="just"/>
             <a:r>
               <a:rPr lang="pt-BR" sz="2000" dirty="0" smtClean="0"/>
-              <a:t>Utilizamos o comando “</a:t>
-            </a:r>
-            <a:r>
-              <a:rPr lang="pt-BR" sz="2000" dirty="0" err="1" smtClean="0"/>
-              <a:t>groovy</a:t>
-            </a:r>
-            <a:r>
-              <a:rPr lang="pt-BR" sz="2000" dirty="0"/>
-              <a:t> </a:t>
-            </a:r>
-            <a:r>
-              <a:rPr lang="pt-BR" sz="2000" dirty="0" smtClean="0"/>
-              <a:t>[</a:t>
-            </a:r>
-            <a:r>
-              <a:rPr lang="pt-BR" sz="2000" dirty="0" err="1" smtClean="0"/>
-              <a:t>source</a:t>
-            </a:r>
-            <a:r>
-              <a:rPr lang="pt-BR" sz="2000" dirty="0" smtClean="0"/>
-              <a:t> file]” para executar o </a:t>
-            </a:r>
-            <a:r>
-              <a:rPr lang="pt-BR" sz="2000" dirty="0" smtClean="0"/>
-              <a:t>programa.</a:t>
-            </a:r>
-            <a:endParaRPr lang="pt-BR" sz="2000" dirty="0" smtClean="0"/>
-          </a:p>
-          <a:p>
-            <a:pPr algn="just"/>
-            <a:endParaRPr lang="pt-BR" sz="2000" dirty="0" smtClean="0"/>
-          </a:p>
-          <a:p>
-            <a:pPr algn="just"/>
-            <a:r>
-              <a:rPr lang="pt-BR" sz="2000" dirty="0" smtClean="0"/>
-              <a:t>O comando “</a:t>
-            </a:r>
-            <a:r>
-              <a:rPr lang="pt-BR" sz="2000" dirty="0" err="1" smtClean="0"/>
-              <a:t>groovyc</a:t>
-            </a:r>
-            <a:r>
-              <a:rPr lang="pt-BR" sz="2000" dirty="0" smtClean="0"/>
-              <a:t>” serve para compilar o programa e criar os arquivos compilados no formato </a:t>
-            </a:r>
-            <a:r>
-              <a:rPr lang="pt-BR" sz="2000" b="1" i="1" dirty="0" smtClean="0"/>
-              <a:t>.</a:t>
-            </a:r>
-            <a:r>
-              <a:rPr lang="pt-BR" sz="2000" b="1" i="1" dirty="0" smtClean="0"/>
-              <a:t>class</a:t>
+              <a:t>Escopo dinâmico</a:t>
             </a:r>
             <a:r>
               <a:rPr lang="pt-BR" sz="2000" dirty="0"/>
@@ -11022,42 +11454,106 @@
           </a:p>
           <a:p>
             <a:pPr algn="just"/>
-            <a:endParaRPr lang="pt-BR" sz="2000" dirty="0" smtClean="0"/>
+            <a:r>
+              <a:rPr lang="pt-BR" sz="2000" dirty="0"/>
+              <a:t>Sobrecarga de </a:t>
+            </a:r>
+            <a:r>
+              <a:rPr lang="pt-BR" sz="2000" dirty="0" smtClean="0"/>
+              <a:t>operadores</a:t>
+            </a:r>
+            <a:r>
+              <a:rPr lang="pt-BR" sz="2000" dirty="0"/>
+              <a:t>.</a:t>
+            </a:r>
           </a:p>
           <a:p>
             <a:pPr algn="just"/>
             <a:r>
-              <a:rPr lang="pt-BR" sz="2000" dirty="0" smtClean="0"/>
-              <a:t>Temos um console de script, basta utilizar o comando “</a:t>
-            </a:r>
-            <a:r>
-              <a:rPr lang="pt-BR" sz="2000" dirty="0" err="1" smtClean="0"/>
-              <a:t>groovysh</a:t>
-            </a:r>
-            <a:r>
-              <a:rPr lang="pt-BR" sz="2000" dirty="0" smtClean="0"/>
-              <a:t>”.</a:t>
-            </a:r>
-            <a:endParaRPr lang="pt-BR" sz="2000" dirty="0" smtClean="0"/>
+              <a:rPr lang="pt-BR" sz="2000" dirty="0"/>
+              <a:t>Possui características em comum com Java, já que é inspirada </a:t>
+            </a:r>
+            <a:r>
+              <a:rPr lang="pt-BR" sz="2000" dirty="0" smtClean="0"/>
+              <a:t>nela.</a:t>
+            </a:r>
           </a:p>
           <a:p>
             <a:pPr algn="just"/>
-            <a:endParaRPr lang="pt-BR" sz="2000" dirty="0" smtClean="0"/>
+            <a:r>
+              <a:rPr lang="pt-BR" sz="2000" dirty="0" smtClean="0"/>
+              <a:t>Compatibilidade</a:t>
+            </a:r>
+            <a:r>
+              <a:rPr lang="pt-BR" sz="2000" dirty="0"/>
+              <a:t>:</a:t>
+            </a:r>
+          </a:p>
+          <a:p>
+            <a:pPr lvl="1" algn="just"/>
+            <a:r>
+              <a:rPr lang="pt-BR" sz="1400" dirty="0"/>
+              <a:t>O aprendizado é simplificado devido a menor quantidade de dependências que, inevitavelmente, surgem durante o desenvolvimento Java. Portanto, alguém que queira aprender a programação em </a:t>
+            </a:r>
+            <a:r>
+              <a:rPr lang="pt-BR" sz="1400" dirty="0" err="1"/>
+              <a:t>Groovy</a:t>
+            </a:r>
+            <a:r>
+              <a:rPr lang="pt-BR" sz="1400" dirty="0"/>
+              <a:t> pode começar com o básico do Java e seguir para níveis mais avançados com menos dificuldade</a:t>
+            </a:r>
+            <a:r>
+              <a:rPr lang="pt-BR" sz="1400" dirty="0" smtClean="0"/>
+              <a:t>.</a:t>
+            </a:r>
+            <a:endParaRPr lang="pt-BR" sz="2000" dirty="0"/>
           </a:p>
           <a:p>
             <a:pPr algn="just"/>
             <a:r>
               <a:rPr lang="pt-BR" sz="2000" dirty="0" smtClean="0"/>
-              <a:t>Como temos um console de script, consequentemente conseguimos criar scripts com a </a:t>
-            </a:r>
-            <a:r>
-              <a:rPr lang="pt-BR" sz="2000" dirty="0" smtClean="0"/>
-              <a:t>LP.</a:t>
-            </a:r>
-            <a:endParaRPr lang="pt-BR" sz="2000" dirty="0" smtClean="0"/>
-          </a:p>
-          <a:p>
-            <a:pPr algn="just"/>
+              <a:t>GDK:</a:t>
+            </a:r>
+          </a:p>
+          <a:p>
+            <a:pPr lvl="1" algn="just"/>
+            <a:r>
+              <a:rPr lang="pt-BR" sz="1400" dirty="0"/>
+              <a:t>Assim como o Java possui a JDK, o </a:t>
+            </a:r>
+            <a:r>
+              <a:rPr lang="pt-BR" sz="1400" dirty="0" err="1"/>
+              <a:t>Groovy</a:t>
+            </a:r>
+            <a:r>
+              <a:rPr lang="pt-BR" sz="1400" dirty="0"/>
+              <a:t> possui a GDK. É fácil confundir-se quando pensamos nisso pois todo objeto Java pode ser usado dentro do </a:t>
+            </a:r>
+            <a:r>
+              <a:rPr lang="pt-BR" sz="1400" dirty="0" err="1"/>
+              <a:t>Groovy</a:t>
+            </a:r>
+            <a:r>
+              <a:rPr lang="pt-BR" sz="1400" dirty="0"/>
+              <a:t>, mas o contrario não é verdade. A GDK estende a JDK adicionando métodos que não existem originalmente nos objetos Java</a:t>
+            </a:r>
+            <a:r>
+              <a:rPr lang="pt-BR" sz="1400" dirty="0" smtClean="0"/>
+              <a:t>.</a:t>
+            </a:r>
+            <a:endParaRPr lang="pt-BR" sz="2000" dirty="0"/>
+          </a:p>
+          <a:p>
+            <a:pPr marL="457200" lvl="1" indent="0" algn="just">
+              <a:buNone/>
+            </a:pPr>
+            <a:endParaRPr lang="pt-BR" sz="1600" dirty="0" smtClean="0"/>
+          </a:p>
+          <a:p>
+            <a:pPr marL="0" indent="0" algn="just">
+              <a:buNone/>
+            </a:pPr>
             <a:endParaRPr lang="pt-BR" sz="2000" dirty="0"/>
           </a:p>
           <a:p>
@@ -11069,7 +11565,7 @@
     </p:spTree>
     <p:extLst>
       <p:ext uri="{BB962C8B-B14F-4D97-AF65-F5344CB8AC3E}">
-        <p14:creationId xmlns:p14="http://schemas.microsoft.com/office/powerpoint/2010/main" val="3198423079"/>
+        <p14:creationId xmlns:p14="http://schemas.microsoft.com/office/powerpoint/2010/main" val="4257500236"/>
       </p:ext>
     </p:extLst>
   </p:cSld>
@@ -11156,13 +11652,28 @@
             <a:pPr algn="just"/>
             <a:r>
               <a:rPr lang="pt-BR" sz="2000" dirty="0" smtClean="0"/>
-              <a:t>O símbolo “;” eh opcional, a não ser que coloque mais de um comando na mesma </a:t>
-            </a:r>
-            <a:r>
-              <a:rPr lang="pt-BR" sz="2000" dirty="0" smtClean="0"/>
-              <a:t>linha.</a:t>
-            </a:r>
-            <a:endParaRPr lang="pt-BR" sz="2000" dirty="0" smtClean="0"/>
+              <a:t>Utilizamos o comando “</a:t>
+            </a:r>
+            <a:r>
+              <a:rPr lang="pt-BR" sz="2000" dirty="0" err="1" smtClean="0"/>
+              <a:t>groovy</a:t>
+            </a:r>
+            <a:r>
+              <a:rPr lang="pt-BR" sz="2000" dirty="0"/>
+              <a:t> </a:t>
+            </a:r>
+            <a:r>
+              <a:rPr lang="pt-BR" sz="2000" dirty="0" smtClean="0"/>
+              <a:t>[</a:t>
+            </a:r>
+            <a:r>
+              <a:rPr lang="pt-BR" sz="2000" dirty="0" err="1" smtClean="0"/>
+              <a:t>source</a:t>
+            </a:r>
+            <a:r>
+              <a:rPr lang="pt-BR" sz="2000" dirty="0" smtClean="0"/>
+              <a:t> file]” para executar o programa.</a:t>
+            </a:r>
           </a:p>
           <a:p>
             <a:pPr algn="just"/>
@@ -11172,19 +11683,23 @@
             <a:pPr algn="just"/>
             <a:r>
               <a:rPr lang="pt-BR" sz="2000" dirty="0" smtClean="0"/>
-              <a:t> Para definir uma variável, utilizamos a palavra reservada </a:t>
-            </a:r>
-            <a:r>
-              <a:rPr lang="pt-BR" sz="2000" b="1" i="1" dirty="0" err="1" smtClean="0"/>
-              <a:t>def</a:t>
-            </a:r>
-            <a:r>
-              <a:rPr lang="pt-BR" sz="2000" dirty="0" smtClean="0"/>
-              <a:t>, que possibilita a alteração do tipo da variável em tempo de </a:t>
-            </a:r>
-            <a:r>
-              <a:rPr lang="pt-BR" sz="2000" dirty="0" smtClean="0"/>
-              <a:t>execução.</a:t>
+              <a:t>O comando “</a:t>
+            </a:r>
+            <a:r>
+              <a:rPr lang="pt-BR" sz="2000" dirty="0" err="1" smtClean="0"/>
+              <a:t>groovyc</a:t>
+            </a:r>
+            <a:r>
+              <a:rPr lang="pt-BR" sz="2000" dirty="0" smtClean="0"/>
+              <a:t>” serve para compilar o programa e criar os arquivos compilados no formato </a:t>
+            </a:r>
+            <a:r>
+              <a:rPr lang="pt-BR" sz="2000" b="1" i="1" dirty="0" smtClean="0"/>
+              <a:t>.class</a:t>
+            </a:r>
+            <a:r>
+              <a:rPr lang="pt-BR" sz="2000" dirty="0"/>
+              <a:t>.</a:t>
             </a:r>
             <a:endParaRPr lang="pt-BR" sz="2000" dirty="0" smtClean="0"/>
           </a:p>
@@ -11196,33 +11711,16 @@
             <a:pPr algn="just"/>
             <a:r>
               <a:rPr lang="pt-BR" sz="2000" dirty="0" smtClean="0"/>
-              <a:t>Podemos usar </a:t>
+              <a:t>Temos um console de script, basta utilizar o comando “</a:t>
             </a:r>
             <a:r>
               <a:rPr lang="pt-BR" sz="2000" dirty="0" err="1" smtClean="0"/>
-              <a:t>DataTypes</a:t>
-            </a:r>
-            <a:r>
-              <a:rPr lang="pt-BR" sz="2000" dirty="0" smtClean="0"/>
-              <a:t> que proíbe a alteração do tipo da variável durante a execução, isto eh, declarar variáveis com tipos definidos, como </a:t>
-            </a:r>
-            <a:r>
-              <a:rPr lang="pt-BR" sz="2000" b="1" i="1" dirty="0" err="1" smtClean="0"/>
-              <a:t>int</a:t>
-            </a:r>
-            <a:r>
-              <a:rPr lang="pt-BR" sz="2000" dirty="0" smtClean="0"/>
-              <a:t> ou </a:t>
-            </a:r>
-            <a:r>
-              <a:rPr lang="pt-BR" sz="2000" b="1" i="1" dirty="0" err="1" smtClean="0"/>
-              <a:t>double</a:t>
-            </a:r>
-            <a:r>
-              <a:rPr lang="pt-BR" sz="2000" dirty="0"/>
-              <a:t>.</a:t>
-            </a:r>
-            <a:endParaRPr lang="pt-BR" sz="2000" dirty="0" smtClean="0"/>
+              <a:t>groovysh</a:t>
+            </a:r>
+            <a:r>
+              <a:rPr lang="pt-BR" sz="2000" dirty="0" smtClean="0"/>
+              <a:t>”.</a:t>
+            </a:r>
           </a:p>
           <a:p>
             <a:pPr algn="just"/>
@@ -11232,13 +11730,8 @@
             <a:pPr algn="just"/>
             <a:r>
               <a:rPr lang="pt-BR" sz="2000" dirty="0" smtClean="0"/>
-              <a:t>Possui precedência de </a:t>
-            </a:r>
-            <a:r>
-              <a:rPr lang="pt-BR" sz="2000" dirty="0" smtClean="0"/>
-              <a:t>operadores (sobrecarga de operadores).</a:t>
-            </a:r>
-            <a:endParaRPr lang="pt-BR" sz="2000" dirty="0" smtClean="0"/>
+              <a:t>Como temos um console de script, consequentemente conseguimos criar scripts com a LP.</a:t>
+            </a:r>
           </a:p>
           <a:p>
             <a:pPr algn="just"/>
@@ -11250,34 +11743,10 @@
           </a:p>
         </p:txBody>
       </p:sp>
-      <p:pic>
-        <p:nvPicPr>
-          <p:cNvPr id="4" name="Imagem 3"/>
-          <p:cNvPicPr>
-            <a:picLocks noChangeAspect="1"/>
-          </p:cNvPicPr>
-          <p:nvPr/>
-        </p:nvPicPr>
-        <p:blipFill>
-          <a:blip r:embed="rId2"/>
-          <a:stretch>
-            <a:fillRect/>
-          </a:stretch>
-        </p:blipFill>
-        <p:spPr>
-          <a:xfrm>
-            <a:off x="2489850" y="5661090"/>
-            <a:ext cx="2255052" cy="443617"/>
-          </a:xfrm>
-          <a:prstGeom prst="rect">
-            <a:avLst/>
-          </a:prstGeom>
-        </p:spPr>
-      </p:pic>
     </p:spTree>
     <p:extLst>
       <p:ext uri="{BB962C8B-B14F-4D97-AF65-F5344CB8AC3E}">
-        <p14:creationId xmlns:p14="http://schemas.microsoft.com/office/powerpoint/2010/main" val="2186883364"/>
+        <p14:creationId xmlns:p14="http://schemas.microsoft.com/office/powerpoint/2010/main" val="3198423079"/>
       </p:ext>
     </p:extLst>
   </p:cSld>

--- a/Seminario/Apresentacao Groovy.pptx
+++ b/Seminario/Apresentacao Groovy.pptx
@@ -5,7 +5,7 @@
     <p:sldMasterId id="2147483660" r:id="rId1"/>
   </p:sldMasterIdLst>
   <p:notesMasterIdLst>
-    <p:notesMasterId r:id="rId26"/>
+    <p:notesMasterId r:id="rId27"/>
   </p:notesMasterIdLst>
   <p:sldIdLst>
     <p:sldId id="256" r:id="rId2"/>
@@ -26,12 +26,13 @@
     <p:sldId id="278" r:id="rId17"/>
     <p:sldId id="269" r:id="rId18"/>
     <p:sldId id="271" r:id="rId19"/>
-    <p:sldId id="267" r:id="rId20"/>
-    <p:sldId id="273" r:id="rId21"/>
-    <p:sldId id="279" r:id="rId22"/>
-    <p:sldId id="280" r:id="rId23"/>
-    <p:sldId id="284" r:id="rId24"/>
-    <p:sldId id="259" r:id="rId25"/>
+    <p:sldId id="286" r:id="rId20"/>
+    <p:sldId id="267" r:id="rId21"/>
+    <p:sldId id="273" r:id="rId22"/>
+    <p:sldId id="279" r:id="rId23"/>
+    <p:sldId id="280" r:id="rId24"/>
+    <p:sldId id="284" r:id="rId25"/>
+    <p:sldId id="259" r:id="rId26"/>
   </p:sldIdLst>
   <p:sldSz cx="12192000" cy="6858000"/>
   <p:notesSz cx="6858000" cy="9144000"/>
@@ -553,7 +554,7 @@
           <a:p>
             <a:fld id="{9C0C3D8A-A115-4AF7-8134-3C1A8F747396}" type="slidenum">
               <a:rPr lang="pt-BR" smtClean="0"/>
-              <a:t>19</a:t>
+              <a:t>6</a:t>
             </a:fld>
             <a:endParaRPr lang="pt-BR"/>
           </a:p>
@@ -562,7 +563,7 @@
     </p:spTree>
     <p:extLst>
       <p:ext uri="{BB962C8B-B14F-4D97-AF65-F5344CB8AC3E}">
-        <p14:creationId xmlns:p14="http://schemas.microsoft.com/office/powerpoint/2010/main" val="429168764"/>
+        <p14:creationId xmlns:p14="http://schemas.microsoft.com/office/powerpoint/2010/main" val="2105785979"/>
       </p:ext>
     </p:extLst>
   </p:cSld>
@@ -646,7 +647,7 @@
     </p:spTree>
     <p:extLst>
       <p:ext uri="{BB962C8B-B14F-4D97-AF65-F5344CB8AC3E}">
-        <p14:creationId xmlns:p14="http://schemas.microsoft.com/office/powerpoint/2010/main" val="612740879"/>
+        <p14:creationId xmlns:p14="http://schemas.microsoft.com/office/powerpoint/2010/main" val="429168764"/>
       </p:ext>
     </p:extLst>
   </p:cSld>
@@ -722,6 +723,90 @@
             <a:fld id="{9C0C3D8A-A115-4AF7-8134-3C1A8F747396}" type="slidenum">
               <a:rPr lang="pt-BR" smtClean="0"/>
               <a:t>21</a:t>
+            </a:fld>
+            <a:endParaRPr lang="pt-BR"/>
+          </a:p>
+        </p:txBody>
+      </p:sp>
+    </p:spTree>
+    <p:extLst>
+      <p:ext uri="{BB962C8B-B14F-4D97-AF65-F5344CB8AC3E}">
+        <p14:creationId xmlns:p14="http://schemas.microsoft.com/office/powerpoint/2010/main" val="612740879"/>
+      </p:ext>
+    </p:extLst>
+  </p:cSld>
+  <p:clrMapOvr>
+    <a:masterClrMapping/>
+  </p:clrMapOvr>
+</p:notes>
+</file>
+
+<file path=ppt/notesSlides/notesSlide4.xml><?xml version="1.0" encoding="utf-8"?>
+<p:notes xmlns:a="http://schemas.openxmlformats.org/drawingml/2006/main" xmlns:r="http://schemas.openxmlformats.org/officeDocument/2006/relationships" xmlns:p="http://schemas.openxmlformats.org/presentationml/2006/main">
+  <p:cSld>
+    <p:spTree>
+      <p:nvGrpSpPr>
+        <p:cNvPr id="1" name=""/>
+        <p:cNvGrpSpPr/>
+        <p:nvPr/>
+      </p:nvGrpSpPr>
+      <p:grpSpPr>
+        <a:xfrm>
+          <a:off x="0" y="0"/>
+          <a:ext cx="0" cy="0"/>
+          <a:chOff x="0" y="0"/>
+          <a:chExt cx="0" cy="0"/>
+        </a:xfrm>
+      </p:grpSpPr>
+      <p:sp>
+        <p:nvSpPr>
+          <p:cNvPr id="2" name="Espaço Reservado para Imagem de Slide 1"/>
+          <p:cNvSpPr>
+            <a:spLocks noGrp="1" noRot="1" noChangeAspect="1"/>
+          </p:cNvSpPr>
+          <p:nvPr>
+            <p:ph type="sldImg"/>
+          </p:nvPr>
+        </p:nvSpPr>
+        <p:spPr/>
+      </p:sp>
+      <p:sp>
+        <p:nvSpPr>
+          <p:cNvPr id="3" name="Espaço Reservado para Anotações 2"/>
+          <p:cNvSpPr>
+            <a:spLocks noGrp="1"/>
+          </p:cNvSpPr>
+          <p:nvPr>
+            <p:ph type="body" idx="1"/>
+          </p:nvPr>
+        </p:nvSpPr>
+        <p:spPr/>
+        <p:txBody>
+          <a:bodyPr/>
+          <a:lstStyle/>
+          <a:p>
+            <a:endParaRPr lang="pt-BR" dirty="0"/>
+          </a:p>
+        </p:txBody>
+      </p:sp>
+      <p:sp>
+        <p:nvSpPr>
+          <p:cNvPr id="4" name="Espaço Reservado para Número de Slide 3"/>
+          <p:cNvSpPr>
+            <a:spLocks noGrp="1"/>
+          </p:cNvSpPr>
+          <p:nvPr>
+            <p:ph type="sldNum" sz="quarter" idx="10"/>
+          </p:nvPr>
+        </p:nvSpPr>
+        <p:spPr/>
+        <p:txBody>
+          <a:bodyPr/>
+          <a:lstStyle/>
+          <a:p>
+            <a:fld id="{9C0C3D8A-A115-4AF7-8134-3C1A8F747396}" type="slidenum">
+              <a:rPr lang="pt-BR" smtClean="0"/>
+              <a:t>22</a:t>
             </a:fld>
             <a:endParaRPr lang="pt-BR"/>
           </a:p>
@@ -6916,6 +7001,13 @@
   <p:clrMapOvr>
     <a:masterClrMapping/>
   </p:clrMapOvr>
+  <p:timing>
+    <p:tnLst>
+      <p:par>
+        <p:cTn id="1" dur="indefinite" restart="never" nodeType="tmRoot"/>
+      </p:par>
+    </p:tnLst>
+  </p:timing>
 </p:sld>
 </file>
 
@@ -8728,7 +8820,7 @@
         </p:nvSpPr>
         <p:spPr>
           <a:xfrm>
-            <a:off x="1484309" y="0"/>
+            <a:off x="1379807" y="-50075"/>
             <a:ext cx="10018713" cy="1752599"/>
           </a:xfrm>
         </p:spPr>
@@ -8737,8 +8829,8 @@
           <a:lstStyle/>
           <a:p>
             <a:r>
-              <a:rPr lang="pt-BR" dirty="0" smtClean="0"/>
-              <a:t>Métodos</a:t>
+              <a:rPr lang="pt-BR" dirty="0" err="1" smtClean="0"/>
+              <a:t>Closures</a:t>
             </a:r>
             <a:endParaRPr lang="pt-BR" dirty="0"/>
           </a:p>
@@ -8756,8 +8848,8 @@
         </p:nvSpPr>
         <p:spPr>
           <a:xfrm>
-            <a:off x="1484310" y="1689463"/>
-            <a:ext cx="10018713" cy="5168537"/>
+            <a:off x="1484310" y="1752599"/>
+            <a:ext cx="10018713" cy="5105401"/>
           </a:xfrm>
         </p:spPr>
         <p:txBody>
@@ -8767,60 +8859,136 @@
           <a:lstStyle/>
           <a:p>
             <a:pPr algn="just"/>
+            <a:r>
+              <a:rPr lang="pt-BR" sz="2000" dirty="0" err="1"/>
+              <a:t>Closures</a:t>
+            </a:r>
+            <a:r>
+              <a:rPr lang="pt-BR" sz="2000" dirty="0"/>
+              <a:t> nada mais são do que pedaços de código tratados como objetos, e como tal podem receber parâmetros e retornar valores</a:t>
+            </a:r>
+            <a:r>
+              <a:rPr lang="pt-BR" sz="2000" dirty="0" smtClean="0"/>
+              <a:t>.</a:t>
+            </a:r>
+          </a:p>
+          <a:p>
+            <a:pPr algn="just"/>
+            <a:endParaRPr lang="pt-BR" sz="2000" dirty="0"/>
+          </a:p>
+          <a:p>
+            <a:pPr algn="just"/>
+            <a:r>
+              <a:rPr lang="pt-BR" sz="2000" dirty="0" err="1" smtClean="0"/>
+              <a:t>Closure</a:t>
+            </a:r>
+            <a:r>
+              <a:rPr lang="pt-BR" sz="2000" dirty="0" smtClean="0"/>
+              <a:t> </a:t>
+            </a:r>
+            <a:r>
+              <a:rPr lang="pt-BR" sz="2000" dirty="0"/>
+              <a:t>é apenas mais objeto para a JVM, tal qual uma </a:t>
+            </a:r>
+            <a:r>
+              <a:rPr lang="pt-BR" sz="2000" dirty="0" err="1" smtClean="0"/>
+              <a:t>String</a:t>
+            </a:r>
+            <a:r>
+              <a:rPr lang="pt-BR" sz="2000" dirty="0" smtClean="0"/>
+              <a:t> </a:t>
+            </a:r>
+            <a:r>
+              <a:rPr lang="pt-BR" sz="2000" dirty="0"/>
+              <a:t>ou um </a:t>
+            </a:r>
+            <a:r>
+              <a:rPr lang="pt-BR" sz="2000" dirty="0" err="1"/>
+              <a:t>Integer</a:t>
+            </a:r>
+            <a:r>
+              <a:rPr lang="pt-BR" sz="2000" dirty="0"/>
+              <a:t>. </a:t>
+            </a:r>
             <a:endParaRPr lang="pt-BR" sz="2000" dirty="0" smtClean="0"/>
           </a:p>
           <a:p>
             <a:pPr algn="just"/>
-            <a:r>
-              <a:rPr lang="pt-BR" sz="2000" dirty="0" smtClean="0"/>
-              <a:t>Implementação similar a Java;</a:t>
-            </a:r>
-          </a:p>
-          <a:p>
-            <a:pPr algn="just"/>
             <a:endParaRPr lang="pt-BR" sz="2000" dirty="0"/>
           </a:p>
           <a:p>
             <a:pPr algn="just"/>
             <a:r>
-              <a:rPr lang="pt-BR" sz="2000" dirty="0" smtClean="0"/>
-              <a:t>Os parâmetros de métodos podem ter ou não tipos definidos e podemos colocar valores padrões a eles;</a:t>
-            </a:r>
-          </a:p>
-          <a:p>
-            <a:pPr marL="0" indent="0" algn="just">
-              <a:buNone/>
-            </a:pPr>
+              <a:rPr lang="pt-BR" sz="2000" dirty="0"/>
+              <a:t>Sua sintaxe é </a:t>
+            </a:r>
+            <a:r>
+              <a:rPr lang="pt-BR" sz="2000" b="1" dirty="0"/>
+              <a:t>{[</a:t>
+            </a:r>
+            <a:r>
+              <a:rPr lang="pt-BR" sz="2000" b="1" dirty="0" err="1"/>
+              <a:t>closureParameters</a:t>
+            </a:r>
+            <a:r>
+              <a:rPr lang="pt-BR" sz="2000" b="1" dirty="0"/>
+              <a:t> -&gt; ] </a:t>
+            </a:r>
+            <a:r>
+              <a:rPr lang="pt-BR" sz="2000" b="1" dirty="0" err="1"/>
+              <a:t>statements</a:t>
+            </a:r>
+            <a:r>
+              <a:rPr lang="pt-BR" sz="2000" b="1" dirty="0" smtClean="0"/>
+              <a:t>}</a:t>
+            </a:r>
+            <a:r>
+              <a:rPr lang="pt-BR" sz="2000" dirty="0" smtClean="0"/>
+              <a:t>.</a:t>
+            </a:r>
+          </a:p>
+          <a:p>
+            <a:pPr algn="just"/>
+            <a:endParaRPr lang="pt-BR" sz="2000" dirty="0"/>
+          </a:p>
+          <a:p>
+            <a:pPr algn="just"/>
             <a:endParaRPr lang="pt-BR" sz="2000" dirty="0" smtClean="0"/>
           </a:p>
           <a:p>
             <a:pPr algn="just"/>
-            <a:r>
-              <a:rPr lang="pt-BR" sz="2000" dirty="0" smtClean="0"/>
-              <a:t>O retorno dos métodos também podem ser arbitrários, assim como os parâmetros;</a:t>
-            </a:r>
-            <a:endParaRPr lang="pt-BR" sz="1400" dirty="0"/>
-          </a:p>
-          <a:p>
-            <a:pPr lvl="1" algn="just"/>
-            <a:endParaRPr lang="pt-BR" sz="1400" dirty="0" smtClean="0"/>
-          </a:p>
-          <a:p>
-            <a:pPr marL="457200" lvl="1" indent="0" algn="just">
-              <a:buNone/>
-            </a:pPr>
-            <a:endParaRPr lang="pt-BR" sz="2000" dirty="0" smtClean="0"/>
-          </a:p>
-          <a:p>
-            <a:pPr algn="just"/>
             <a:endParaRPr lang="pt-BR" sz="2000" dirty="0"/>
           </a:p>
         </p:txBody>
       </p:sp>
+      <p:pic>
+        <p:nvPicPr>
+          <p:cNvPr id="7" name="Imagem 6"/>
+          <p:cNvPicPr>
+            <a:picLocks noChangeAspect="1"/>
+          </p:cNvPicPr>
+          <p:nvPr/>
+        </p:nvPicPr>
+        <p:blipFill>
+          <a:blip r:embed="rId2"/>
+          <a:stretch>
+            <a:fillRect/>
+          </a:stretch>
+        </p:blipFill>
+        <p:spPr>
+          <a:xfrm>
+            <a:off x="7942637" y="4112574"/>
+            <a:ext cx="3743847" cy="2638793"/>
+          </a:xfrm>
+          <a:prstGeom prst="rect">
+            <a:avLst/>
+          </a:prstGeom>
+        </p:spPr>
+      </p:pic>
     </p:spTree>
     <p:extLst>
       <p:ext uri="{BB962C8B-B14F-4D97-AF65-F5344CB8AC3E}">
-        <p14:creationId xmlns:p14="http://schemas.microsoft.com/office/powerpoint/2010/main" val="1011672848"/>
+        <p14:creationId xmlns:p14="http://schemas.microsoft.com/office/powerpoint/2010/main" val="1367439025"/>
       </p:ext>
     </p:extLst>
   </p:cSld>
@@ -8965,11 +9133,7 @@
             </a:r>
             <a:r>
               <a:rPr lang="pt-BR" sz="2000" dirty="0" smtClean="0"/>
-              <a:t> e Google</a:t>
-            </a:r>
-            <a:r>
-              <a:rPr lang="pt-BR" sz="2000" dirty="0" smtClean="0"/>
-              <a:t>.</a:t>
+              <a:t> e Google.</a:t>
             </a:r>
           </a:p>
           <a:p>
@@ -8998,10 +9162,155 @@
   <p:clrMapOvr>
     <a:masterClrMapping/>
   </p:clrMapOvr>
+  <p:timing>
+    <p:tnLst>
+      <p:par>
+        <p:cTn id="1" dur="indefinite" restart="never" nodeType="tmRoot"/>
+      </p:par>
+    </p:tnLst>
+  </p:timing>
 </p:sld>
 </file>
 
 <file path=ppt/slides/slide20.xml><?xml version="1.0" encoding="utf-8"?>
+<p:sld xmlns:a="http://schemas.openxmlformats.org/drawingml/2006/main" xmlns:r="http://schemas.openxmlformats.org/officeDocument/2006/relationships" xmlns:p="http://schemas.openxmlformats.org/presentationml/2006/main">
+  <p:cSld>
+    <p:spTree>
+      <p:nvGrpSpPr>
+        <p:cNvPr id="1" name=""/>
+        <p:cNvGrpSpPr/>
+        <p:nvPr/>
+      </p:nvGrpSpPr>
+      <p:grpSpPr>
+        <a:xfrm>
+          <a:off x="0" y="0"/>
+          <a:ext cx="0" cy="0"/>
+          <a:chOff x="0" y="0"/>
+          <a:chExt cx="0" cy="0"/>
+        </a:xfrm>
+      </p:grpSpPr>
+      <p:sp>
+        <p:nvSpPr>
+          <p:cNvPr id="2" name="Título 1"/>
+          <p:cNvSpPr>
+            <a:spLocks noGrp="1"/>
+          </p:cNvSpPr>
+          <p:nvPr>
+            <p:ph type="title"/>
+          </p:nvPr>
+        </p:nvSpPr>
+        <p:spPr>
+          <a:xfrm>
+            <a:off x="1484309" y="0"/>
+            <a:ext cx="10018713" cy="1752599"/>
+          </a:xfrm>
+        </p:spPr>
+        <p:txBody>
+          <a:bodyPr/>
+          <a:lstStyle/>
+          <a:p>
+            <a:r>
+              <a:rPr lang="pt-BR" dirty="0" smtClean="0"/>
+              <a:t>Métodos</a:t>
+            </a:r>
+            <a:endParaRPr lang="pt-BR" dirty="0"/>
+          </a:p>
+        </p:txBody>
+      </p:sp>
+      <p:sp>
+        <p:nvSpPr>
+          <p:cNvPr id="3" name="Espaço Reservado para Conteúdo 2"/>
+          <p:cNvSpPr>
+            <a:spLocks noGrp="1"/>
+          </p:cNvSpPr>
+          <p:nvPr>
+            <p:ph idx="1"/>
+          </p:nvPr>
+        </p:nvSpPr>
+        <p:spPr>
+          <a:xfrm>
+            <a:off x="1484310" y="1689463"/>
+            <a:ext cx="10018713" cy="5168537"/>
+          </a:xfrm>
+        </p:spPr>
+        <p:txBody>
+          <a:bodyPr>
+            <a:normAutofit/>
+          </a:bodyPr>
+          <a:lstStyle/>
+          <a:p>
+            <a:pPr algn="just"/>
+            <a:endParaRPr lang="pt-BR" sz="2000" dirty="0" smtClean="0"/>
+          </a:p>
+          <a:p>
+            <a:pPr algn="just"/>
+            <a:r>
+              <a:rPr lang="pt-BR" sz="2000" dirty="0" smtClean="0"/>
+              <a:t>Implementação similar a Java;</a:t>
+            </a:r>
+          </a:p>
+          <a:p>
+            <a:pPr algn="just"/>
+            <a:endParaRPr lang="pt-BR" sz="2000" dirty="0"/>
+          </a:p>
+          <a:p>
+            <a:pPr algn="just"/>
+            <a:r>
+              <a:rPr lang="pt-BR" sz="2000" dirty="0" smtClean="0"/>
+              <a:t>Os parâmetros de métodos podem ter ou não tipos definidos e podemos colocar valores padrões a eles;</a:t>
+            </a:r>
+          </a:p>
+          <a:p>
+            <a:pPr marL="0" indent="0" algn="just">
+              <a:buNone/>
+            </a:pPr>
+            <a:endParaRPr lang="pt-BR" sz="2000" dirty="0" smtClean="0"/>
+          </a:p>
+          <a:p>
+            <a:pPr algn="just"/>
+            <a:r>
+              <a:rPr lang="pt-BR" sz="2000" dirty="0" smtClean="0"/>
+              <a:t>O retorno dos métodos também podem ser arbitrários, assim como os parâmetros;</a:t>
+            </a:r>
+            <a:endParaRPr lang="pt-BR" sz="1400" dirty="0"/>
+          </a:p>
+          <a:p>
+            <a:pPr lvl="1" algn="just"/>
+            <a:endParaRPr lang="pt-BR" sz="1400" dirty="0" smtClean="0"/>
+          </a:p>
+          <a:p>
+            <a:pPr marL="457200" lvl="1" indent="0" algn="just">
+              <a:buNone/>
+            </a:pPr>
+            <a:endParaRPr lang="pt-BR" sz="2000" dirty="0" smtClean="0"/>
+          </a:p>
+          <a:p>
+            <a:pPr algn="just"/>
+            <a:endParaRPr lang="pt-BR" sz="2000" dirty="0"/>
+          </a:p>
+        </p:txBody>
+      </p:sp>
+    </p:spTree>
+    <p:extLst>
+      <p:ext uri="{BB962C8B-B14F-4D97-AF65-F5344CB8AC3E}">
+        <p14:creationId xmlns:p14="http://schemas.microsoft.com/office/powerpoint/2010/main" val="1011672848"/>
+      </p:ext>
+    </p:extLst>
+  </p:cSld>
+  <p:clrMapOvr>
+    <a:masterClrMapping/>
+  </p:clrMapOvr>
+  <p:timing>
+    <p:tnLst>
+      <p:par>
+        <p:cTn id="1" dur="indefinite" restart="never" nodeType="tmRoot"/>
+      </p:par>
+    </p:tnLst>
+  </p:timing>
+</p:sld>
+</file>
+
+<file path=ppt/slides/slide21.xml><?xml version="1.0" encoding="utf-8"?>
 <p:sld xmlns:a="http://schemas.openxmlformats.org/drawingml/2006/main" xmlns:r="http://schemas.openxmlformats.org/officeDocument/2006/relationships" xmlns:p="http://schemas.openxmlformats.org/presentationml/2006/main">
   <p:cSld>
     <p:spTree>
@@ -9133,7 +9442,7 @@
 </p:sld>
 </file>
 
-<file path=ppt/slides/slide21.xml><?xml version="1.0" encoding="utf-8"?>
+<file path=ppt/slides/slide22.xml><?xml version="1.0" encoding="utf-8"?>
 <p:sld xmlns:a="http://schemas.openxmlformats.org/drawingml/2006/main" xmlns:r="http://schemas.openxmlformats.org/officeDocument/2006/relationships" xmlns:p="http://schemas.openxmlformats.org/presentationml/2006/main">
   <p:cSld>
     <p:spTree>
@@ -9442,7 +9751,7 @@
 </p:sld>
 </file>
 
-<file path=ppt/slides/slide22.xml><?xml version="1.0" encoding="utf-8"?>
+<file path=ppt/slides/slide23.xml><?xml version="1.0" encoding="utf-8"?>
 <p:sld xmlns:a="http://schemas.openxmlformats.org/drawingml/2006/main" xmlns:r="http://schemas.openxmlformats.org/officeDocument/2006/relationships" xmlns:p="http://schemas.openxmlformats.org/presentationml/2006/main">
   <p:cSld>
     <p:spTree>
@@ -9588,7 +9897,6 @@
               <a:rPr lang="pt-BR" sz="2000" dirty="0"/>
               <a:t>.</a:t>
             </a:r>
-            <a:endParaRPr lang="pt-BR" sz="2000" dirty="0"/>
           </a:p>
           <a:p>
             <a:pPr algn="just"/>
@@ -9729,7 +10037,7 @@
 </p:sld>
 </file>
 
-<file path=ppt/slides/slide23.xml><?xml version="1.0" encoding="utf-8"?>
+<file path=ppt/slides/slide24.xml><?xml version="1.0" encoding="utf-8"?>
 <p:sld xmlns:a="http://schemas.openxmlformats.org/drawingml/2006/main" xmlns:r="http://schemas.openxmlformats.org/officeDocument/2006/relationships" xmlns:p="http://schemas.openxmlformats.org/presentationml/2006/main">
   <p:cSld>
     <p:spTree>
@@ -9902,7 +10210,7 @@
 </p:sld>
 </file>
 
-<file path=ppt/slides/slide24.xml><?xml version="1.0" encoding="utf-8"?>
+<file path=ppt/slides/slide25.xml><?xml version="1.0" encoding="utf-8"?>
 <p:sld xmlns:a="http://schemas.openxmlformats.org/drawingml/2006/main" xmlns:r="http://schemas.openxmlformats.org/officeDocument/2006/relationships" xmlns:p="http://schemas.openxmlformats.org/presentationml/2006/main">
   <p:cSld>
     <p:spTree>
@@ -10537,6 +10845,13 @@
   <p:clrMapOvr>
     <a:masterClrMapping/>
   </p:clrMapOvr>
+  <p:timing>
+    <p:tnLst>
+      <p:par>
+        <p:cTn id="1" dur="indefinite" restart="never" nodeType="tmRoot"/>
+      </p:par>
+    </p:tnLst>
+  </p:timing>
 </p:sld>
 </file>
 
@@ -11165,7 +11480,7 @@
           <p:nvPr/>
         </p:nvPicPr>
         <p:blipFill>
-          <a:blip r:embed="rId2"/>
+          <a:blip r:embed="rId3"/>
           <a:stretch>
             <a:fillRect/>
           </a:stretch>
